--- a/AI-DataQuality Analyst/Module6-Pre-process Data as per Specifications/6.4-Tools for Pre-processing Data Session2(0th-16p)/Tools for Pre-processiong Data Session2.pptx
+++ b/AI-DataQuality Analyst/Module6-Pre-process Data as per Specifications/6.4-Tools for Pre-processing Data Session2(0th-16p)/Tools for Pre-processiong Data Session2.pptx
@@ -5,20 +5,18 @@
     <p:sldMasterId id="2147483648" r:id="rId1"/>
   </p:sldMasterIdLst>
   <p:notesMasterIdLst>
-    <p:notesMasterId r:id="rId13"/>
+    <p:notesMasterId r:id="rId11"/>
   </p:notesMasterIdLst>
   <p:sldIdLst>
     <p:sldId id="257" r:id="rId2"/>
     <p:sldId id="256" r:id="rId3"/>
     <p:sldId id="259" r:id="rId4"/>
-    <p:sldId id="260" r:id="rId5"/>
-    <p:sldId id="267" r:id="rId6"/>
-    <p:sldId id="266" r:id="rId7"/>
-    <p:sldId id="262" r:id="rId8"/>
-    <p:sldId id="263" r:id="rId9"/>
-    <p:sldId id="264" r:id="rId10"/>
-    <p:sldId id="265" r:id="rId11"/>
-    <p:sldId id="261" r:id="rId12"/>
+    <p:sldId id="262" r:id="rId5"/>
+    <p:sldId id="263" r:id="rId6"/>
+    <p:sldId id="264" r:id="rId7"/>
+    <p:sldId id="265" r:id="rId8"/>
+    <p:sldId id="266" r:id="rId9"/>
+    <p:sldId id="261" r:id="rId10"/>
   </p:sldIdLst>
   <p:sldSz cx="12192000" cy="6858000"/>
   <p:notesSz cx="6858000" cy="9144000"/>
@@ -125,6 +123,229 @@
 </p:presentation>
 </file>
 
+<file path=ppt/changesInfos/changesInfo1.xml><?xml version="1.0" encoding="utf-8"?>
+<pc:chgInfo xmlns:a="http://schemas.openxmlformats.org/drawingml/2006/main" xmlns:r="http://schemas.openxmlformats.org/officeDocument/2006/relationships" xmlns:ac="http://schemas.microsoft.com/office/drawing/2013/main/command" xmlns:pc="http://schemas.microsoft.com/office/powerpoint/2013/main/command">
+  <pc:docChgLst>
+    <pc:chgData name="Krishna Kant Dubey" userId="cd28fa1e1902c48d" providerId="LiveId" clId="{FF981653-6963-4F99-B070-6336934D504A}"/>
+    <pc:docChg chg="undo custSel addSld delSld modSld">
+      <pc:chgData name="Krishna Kant Dubey" userId="cd28fa1e1902c48d" providerId="LiveId" clId="{FF981653-6963-4F99-B070-6336934D504A}" dt="2025-08-11T14:40:23.226" v="277" actId="113"/>
+      <pc:docMkLst>
+        <pc:docMk/>
+      </pc:docMkLst>
+      <pc:sldChg chg="modSp mod">
+        <pc:chgData name="Krishna Kant Dubey" userId="cd28fa1e1902c48d" providerId="LiveId" clId="{FF981653-6963-4F99-B070-6336934D504A}" dt="2025-08-11T14:24:22.124" v="45" actId="20577"/>
+        <pc:sldMkLst>
+          <pc:docMk/>
+          <pc:sldMk cId="1080327146" sldId="256"/>
+        </pc:sldMkLst>
+        <pc:spChg chg="mod">
+          <ac:chgData name="Krishna Kant Dubey" userId="cd28fa1e1902c48d" providerId="LiveId" clId="{FF981653-6963-4F99-B070-6336934D504A}" dt="2025-08-11T14:24:22.124" v="45" actId="20577"/>
+          <ac:spMkLst>
+            <pc:docMk/>
+            <pc:sldMk cId="1080327146" sldId="256"/>
+            <ac:spMk id="12" creationId="{941B6D05-14FE-733C-BADE-E07A8CDD1589}"/>
+          </ac:spMkLst>
+        </pc:spChg>
+      </pc:sldChg>
+      <pc:sldChg chg="addSp modSp">
+        <pc:chgData name="Krishna Kant Dubey" userId="cd28fa1e1902c48d" providerId="LiveId" clId="{FF981653-6963-4F99-B070-6336934D504A}" dt="2025-08-11T08:27:17.943" v="0"/>
+        <pc:sldMkLst>
+          <pc:docMk/>
+          <pc:sldMk cId="2381247086" sldId="257"/>
+        </pc:sldMkLst>
+        <pc:picChg chg="add mod">
+          <ac:chgData name="Krishna Kant Dubey" userId="cd28fa1e1902c48d" providerId="LiveId" clId="{FF981653-6963-4F99-B070-6336934D504A}" dt="2025-08-11T08:27:17.943" v="0"/>
+          <ac:picMkLst>
+            <pc:docMk/>
+            <pc:sldMk cId="2381247086" sldId="257"/>
+            <ac:picMk id="3" creationId="{49D86A38-3EE8-3EE8-6AF2-C0DB66DB3443}"/>
+          </ac:picMkLst>
+        </pc:picChg>
+      </pc:sldChg>
+      <pc:sldChg chg="modSp mod">
+        <pc:chgData name="Krishna Kant Dubey" userId="cd28fa1e1902c48d" providerId="LiveId" clId="{FF981653-6963-4F99-B070-6336934D504A}" dt="2025-08-11T14:24:00.713" v="6" actId="207"/>
+        <pc:sldMkLst>
+          <pc:docMk/>
+          <pc:sldMk cId="2701513036" sldId="259"/>
+        </pc:sldMkLst>
+        <pc:spChg chg="mod">
+          <ac:chgData name="Krishna Kant Dubey" userId="cd28fa1e1902c48d" providerId="LiveId" clId="{FF981653-6963-4F99-B070-6336934D504A}" dt="2025-08-11T14:24:00.713" v="6" actId="207"/>
+          <ac:spMkLst>
+            <pc:docMk/>
+            <pc:sldMk cId="2701513036" sldId="259"/>
+            <ac:spMk id="13" creationId="{459108AF-66D9-CD3C-DDCE-0CFFD70B496D}"/>
+          </ac:spMkLst>
+        </pc:spChg>
+      </pc:sldChg>
+      <pc:sldChg chg="del">
+        <pc:chgData name="Krishna Kant Dubey" userId="cd28fa1e1902c48d" providerId="LiveId" clId="{FF981653-6963-4F99-B070-6336934D504A}" dt="2025-08-11T14:24:49.729" v="46" actId="2696"/>
+        <pc:sldMkLst>
+          <pc:docMk/>
+          <pc:sldMk cId="131540703" sldId="260"/>
+        </pc:sldMkLst>
+      </pc:sldChg>
+      <pc:sldChg chg="del">
+        <pc:chgData name="Krishna Kant Dubey" userId="cd28fa1e1902c48d" providerId="LiveId" clId="{FF981653-6963-4F99-B070-6336934D504A}" dt="2025-08-11T14:24:49.729" v="46" actId="2696"/>
+        <pc:sldMkLst>
+          <pc:docMk/>
+          <pc:sldMk cId="1248854694" sldId="262"/>
+        </pc:sldMkLst>
+      </pc:sldChg>
+      <pc:sldChg chg="modSp add mod">
+        <pc:chgData name="Krishna Kant Dubey" userId="cd28fa1e1902c48d" providerId="LiveId" clId="{FF981653-6963-4F99-B070-6336934D504A}" dt="2025-08-11T14:35:31.999" v="225" actId="255"/>
+        <pc:sldMkLst>
+          <pc:docMk/>
+          <pc:sldMk cId="3163660145" sldId="262"/>
+        </pc:sldMkLst>
+        <pc:spChg chg="mod">
+          <ac:chgData name="Krishna Kant Dubey" userId="cd28fa1e1902c48d" providerId="LiveId" clId="{FF981653-6963-4F99-B070-6336934D504A}" dt="2025-08-11T14:27:20.496" v="72" actId="207"/>
+          <ac:spMkLst>
+            <pc:docMk/>
+            <pc:sldMk cId="3163660145" sldId="262"/>
+            <ac:spMk id="12" creationId="{45133845-1184-9A21-0427-2F5E81BD74C7}"/>
+          </ac:spMkLst>
+        </pc:spChg>
+        <pc:spChg chg="mod">
+          <ac:chgData name="Krishna Kant Dubey" userId="cd28fa1e1902c48d" providerId="LiveId" clId="{FF981653-6963-4F99-B070-6336934D504A}" dt="2025-08-11T14:35:31.999" v="225" actId="255"/>
+          <ac:spMkLst>
+            <pc:docMk/>
+            <pc:sldMk cId="3163660145" sldId="262"/>
+            <ac:spMk id="13" creationId="{18523CE9-20CE-9605-FF90-70B098EB59F0}"/>
+          </ac:spMkLst>
+        </pc:spChg>
+        <pc:picChg chg="mod">
+          <ac:chgData name="Krishna Kant Dubey" userId="cd28fa1e1902c48d" providerId="LiveId" clId="{FF981653-6963-4F99-B070-6336934D504A}" dt="2025-08-11T14:35:19.883" v="224" actId="1076"/>
+          <ac:picMkLst>
+            <pc:docMk/>
+            <pc:sldMk cId="3163660145" sldId="262"/>
+            <ac:picMk id="9" creationId="{16DCFCC7-413A-EA56-4BFB-4F224C25E9B7}"/>
+          </ac:picMkLst>
+        </pc:picChg>
+      </pc:sldChg>
+      <pc:sldChg chg="del">
+        <pc:chgData name="Krishna Kant Dubey" userId="cd28fa1e1902c48d" providerId="LiveId" clId="{FF981653-6963-4F99-B070-6336934D504A}" dt="2025-08-11T14:24:49.729" v="46" actId="2696"/>
+        <pc:sldMkLst>
+          <pc:docMk/>
+          <pc:sldMk cId="2329110552" sldId="263"/>
+        </pc:sldMkLst>
+      </pc:sldChg>
+      <pc:sldChg chg="modSp add mod">
+        <pc:chgData name="Krishna Kant Dubey" userId="cd28fa1e1902c48d" providerId="LiveId" clId="{FF981653-6963-4F99-B070-6336934D504A}" dt="2025-08-11T14:35:43.573" v="226" actId="255"/>
+        <pc:sldMkLst>
+          <pc:docMk/>
+          <pc:sldMk cId="3715086361" sldId="263"/>
+        </pc:sldMkLst>
+        <pc:spChg chg="mod">
+          <ac:chgData name="Krishna Kant Dubey" userId="cd28fa1e1902c48d" providerId="LiveId" clId="{FF981653-6963-4F99-B070-6336934D504A}" dt="2025-08-11T14:35:43.573" v="226" actId="255"/>
+          <ac:spMkLst>
+            <pc:docMk/>
+            <pc:sldMk cId="3715086361" sldId="263"/>
+            <ac:spMk id="13" creationId="{578CB0A8-41AF-BF1A-91D8-BCFA58910BE0}"/>
+          </ac:spMkLst>
+        </pc:spChg>
+      </pc:sldChg>
+      <pc:sldChg chg="modSp add mod">
+        <pc:chgData name="Krishna Kant Dubey" userId="cd28fa1e1902c48d" providerId="LiveId" clId="{FF981653-6963-4F99-B070-6336934D504A}" dt="2025-08-11T14:35:56.334" v="228" actId="255"/>
+        <pc:sldMkLst>
+          <pc:docMk/>
+          <pc:sldMk cId="347540356" sldId="264"/>
+        </pc:sldMkLst>
+        <pc:spChg chg="mod">
+          <ac:chgData name="Krishna Kant Dubey" userId="cd28fa1e1902c48d" providerId="LiveId" clId="{FF981653-6963-4F99-B070-6336934D504A}" dt="2025-08-11T14:35:56.334" v="228" actId="255"/>
+          <ac:spMkLst>
+            <pc:docMk/>
+            <pc:sldMk cId="347540356" sldId="264"/>
+            <ac:spMk id="13" creationId="{0840AAC7-B586-94E9-5462-8723A86BA404}"/>
+          </ac:spMkLst>
+        </pc:spChg>
+      </pc:sldChg>
+      <pc:sldChg chg="del">
+        <pc:chgData name="Krishna Kant Dubey" userId="cd28fa1e1902c48d" providerId="LiveId" clId="{FF981653-6963-4F99-B070-6336934D504A}" dt="2025-08-11T14:24:49.729" v="46" actId="2696"/>
+        <pc:sldMkLst>
+          <pc:docMk/>
+          <pc:sldMk cId="3334215418" sldId="264"/>
+        </pc:sldMkLst>
+      </pc:sldChg>
+      <pc:sldChg chg="del">
+        <pc:chgData name="Krishna Kant Dubey" userId="cd28fa1e1902c48d" providerId="LiveId" clId="{FF981653-6963-4F99-B070-6336934D504A}" dt="2025-08-11T14:24:49.729" v="46" actId="2696"/>
+        <pc:sldMkLst>
+          <pc:docMk/>
+          <pc:sldMk cId="1195287565" sldId="265"/>
+        </pc:sldMkLst>
+      </pc:sldChg>
+      <pc:sldChg chg="addSp modSp add mod">
+        <pc:chgData name="Krishna Kant Dubey" userId="cd28fa1e1902c48d" providerId="LiveId" clId="{FF981653-6963-4F99-B070-6336934D504A}" dt="2025-08-11T14:36:31.024" v="234" actId="113"/>
+        <pc:sldMkLst>
+          <pc:docMk/>
+          <pc:sldMk cId="3554338649" sldId="265"/>
+        </pc:sldMkLst>
+        <pc:spChg chg="add">
+          <ac:chgData name="Krishna Kant Dubey" userId="cd28fa1e1902c48d" providerId="LiveId" clId="{FF981653-6963-4F99-B070-6336934D504A}" dt="2025-08-11T14:30:32.450" v="140"/>
+          <ac:spMkLst>
+            <pc:docMk/>
+            <pc:sldMk cId="3554338649" sldId="265"/>
+            <ac:spMk id="2" creationId="{2481F3A2-0406-F7FC-80D1-DE1A6D847FAE}"/>
+          </ac:spMkLst>
+        </pc:spChg>
+        <pc:spChg chg="add mod">
+          <ac:chgData name="Krishna Kant Dubey" userId="cd28fa1e1902c48d" providerId="LiveId" clId="{FF981653-6963-4F99-B070-6336934D504A}" dt="2025-08-11T14:36:05.156" v="230" actId="571"/>
+          <ac:spMkLst>
+            <pc:docMk/>
+            <pc:sldMk cId="3554338649" sldId="265"/>
+            <ac:spMk id="3" creationId="{29E01FDF-4E82-DA60-6A89-CD87C82C27DF}"/>
+          </ac:spMkLst>
+        </pc:spChg>
+        <pc:spChg chg="mod">
+          <ac:chgData name="Krishna Kant Dubey" userId="cd28fa1e1902c48d" providerId="LiveId" clId="{FF981653-6963-4F99-B070-6336934D504A}" dt="2025-08-11T14:36:31.024" v="234" actId="113"/>
+          <ac:spMkLst>
+            <pc:docMk/>
+            <pc:sldMk cId="3554338649" sldId="265"/>
+            <ac:spMk id="13" creationId="{9D21565F-D076-F30A-9DEE-28BA03E43EBF}"/>
+          </ac:spMkLst>
+        </pc:spChg>
+      </pc:sldChg>
+      <pc:sldChg chg="del">
+        <pc:chgData name="Krishna Kant Dubey" userId="cd28fa1e1902c48d" providerId="LiveId" clId="{FF981653-6963-4F99-B070-6336934D504A}" dt="2025-08-11T14:24:49.729" v="46" actId="2696"/>
+        <pc:sldMkLst>
+          <pc:docMk/>
+          <pc:sldMk cId="1370868504" sldId="266"/>
+        </pc:sldMkLst>
+      </pc:sldChg>
+      <pc:sldChg chg="addSp delSp modSp add mod">
+        <pc:chgData name="Krishna Kant Dubey" userId="cd28fa1e1902c48d" providerId="LiveId" clId="{FF981653-6963-4F99-B070-6336934D504A}" dt="2025-08-11T14:40:23.226" v="277" actId="113"/>
+        <pc:sldMkLst>
+          <pc:docMk/>
+          <pc:sldMk cId="1670158137" sldId="266"/>
+        </pc:sldMkLst>
+        <pc:spChg chg="del mod">
+          <ac:chgData name="Krishna Kant Dubey" userId="cd28fa1e1902c48d" providerId="LiveId" clId="{FF981653-6963-4F99-B070-6336934D504A}" dt="2025-08-11T14:37:38.209" v="237" actId="3680"/>
+          <ac:spMkLst>
+            <pc:docMk/>
+            <pc:sldMk cId="1670158137" sldId="266"/>
+            <ac:spMk id="13" creationId="{31AF61F8-B9AF-D8DF-16E6-F8EE47A2A61A}"/>
+          </ac:spMkLst>
+        </pc:spChg>
+        <pc:graphicFrameChg chg="add mod ord modGraphic">
+          <ac:chgData name="Krishna Kant Dubey" userId="cd28fa1e1902c48d" providerId="LiveId" clId="{FF981653-6963-4F99-B070-6336934D504A}" dt="2025-08-11T14:40:23.226" v="277" actId="113"/>
+          <ac:graphicFrameMkLst>
+            <pc:docMk/>
+            <pc:sldMk cId="1670158137" sldId="266"/>
+            <ac:graphicFrameMk id="2" creationId="{40B699A3-8076-9F75-13F9-D4B874A2D538}"/>
+          </ac:graphicFrameMkLst>
+        </pc:graphicFrameChg>
+      </pc:sldChg>
+      <pc:sldChg chg="del">
+        <pc:chgData name="Krishna Kant Dubey" userId="cd28fa1e1902c48d" providerId="LiveId" clId="{FF981653-6963-4F99-B070-6336934D504A}" dt="2025-08-11T14:24:49.729" v="46" actId="2696"/>
+        <pc:sldMkLst>
+          <pc:docMk/>
+          <pc:sldMk cId="1337943040" sldId="267"/>
+        </pc:sldMkLst>
+      </pc:sldChg>
+    </pc:docChg>
+  </pc:docChgLst>
+</pc:chgInfo>
+</file>
+
 <file path=ppt/notesMasters/notesMaster1.xml><?xml version="1.0" encoding="utf-8"?>
 <p:notesMaster xmlns:a="http://schemas.openxmlformats.org/drawingml/2006/main" xmlns:r="http://schemas.openxmlformats.org/officeDocument/2006/relationships" xmlns:p="http://schemas.openxmlformats.org/presentationml/2006/main">
   <p:cSld>
@@ -207,7 +428,7 @@
           <a:p>
             <a:fld id="{771BC1E5-8BD3-45A8-A8D4-BE6B8D3F526F}" type="datetimeFigureOut">
               <a:rPr lang="en-IN" smtClean="0"/>
-              <a:t>28-07-2025</a:t>
+              <a:t>11-08-2025</a:t>
             </a:fld>
             <a:endParaRPr lang="en-IN"/>
           </a:p>
@@ -624,7 +845,7 @@
           <a:p>
             <a:fld id="{8B8265E5-5E35-4F50-869B-ACC7CF337DF9}" type="datetimeFigureOut">
               <a:rPr lang="en-IN" smtClean="0"/>
-              <a:t>28-07-2025</a:t>
+              <a:t>11-08-2025</a:t>
             </a:fld>
             <a:endParaRPr lang="en-IN"/>
           </a:p>
@@ -824,7 +1045,7 @@
           <a:p>
             <a:fld id="{8B8265E5-5E35-4F50-869B-ACC7CF337DF9}" type="datetimeFigureOut">
               <a:rPr lang="en-IN" smtClean="0"/>
-              <a:t>28-07-2025</a:t>
+              <a:t>11-08-2025</a:t>
             </a:fld>
             <a:endParaRPr lang="en-IN"/>
           </a:p>
@@ -1034,7 +1255,7 @@
           <a:p>
             <a:fld id="{8B8265E5-5E35-4F50-869B-ACC7CF337DF9}" type="datetimeFigureOut">
               <a:rPr lang="en-IN" smtClean="0"/>
-              <a:t>28-07-2025</a:t>
+              <a:t>11-08-2025</a:t>
             </a:fld>
             <a:endParaRPr lang="en-IN"/>
           </a:p>
@@ -1234,7 +1455,7 @@
           <a:p>
             <a:fld id="{8B8265E5-5E35-4F50-869B-ACC7CF337DF9}" type="datetimeFigureOut">
               <a:rPr lang="en-IN" smtClean="0"/>
-              <a:t>28-07-2025</a:t>
+              <a:t>11-08-2025</a:t>
             </a:fld>
             <a:endParaRPr lang="en-IN"/>
           </a:p>
@@ -1510,7 +1731,7 @@
           <a:p>
             <a:fld id="{8B8265E5-5E35-4F50-869B-ACC7CF337DF9}" type="datetimeFigureOut">
               <a:rPr lang="en-IN" smtClean="0"/>
-              <a:t>28-07-2025</a:t>
+              <a:t>11-08-2025</a:t>
             </a:fld>
             <a:endParaRPr lang="en-IN"/>
           </a:p>
@@ -1778,7 +1999,7 @@
           <a:p>
             <a:fld id="{8B8265E5-5E35-4F50-869B-ACC7CF337DF9}" type="datetimeFigureOut">
               <a:rPr lang="en-IN" smtClean="0"/>
-              <a:t>28-07-2025</a:t>
+              <a:t>11-08-2025</a:t>
             </a:fld>
             <a:endParaRPr lang="en-IN"/>
           </a:p>
@@ -2193,7 +2414,7 @@
           <a:p>
             <a:fld id="{8B8265E5-5E35-4F50-869B-ACC7CF337DF9}" type="datetimeFigureOut">
               <a:rPr lang="en-IN" smtClean="0"/>
-              <a:t>28-07-2025</a:t>
+              <a:t>11-08-2025</a:t>
             </a:fld>
             <a:endParaRPr lang="en-IN"/>
           </a:p>
@@ -2335,7 +2556,7 @@
           <a:p>
             <a:fld id="{8B8265E5-5E35-4F50-869B-ACC7CF337DF9}" type="datetimeFigureOut">
               <a:rPr lang="en-IN" smtClean="0"/>
-              <a:t>28-07-2025</a:t>
+              <a:t>11-08-2025</a:t>
             </a:fld>
             <a:endParaRPr lang="en-IN"/>
           </a:p>
@@ -2448,7 +2669,7 @@
           <a:p>
             <a:fld id="{8B8265E5-5E35-4F50-869B-ACC7CF337DF9}" type="datetimeFigureOut">
               <a:rPr lang="en-IN" smtClean="0"/>
-              <a:t>28-07-2025</a:t>
+              <a:t>11-08-2025</a:t>
             </a:fld>
             <a:endParaRPr lang="en-IN"/>
           </a:p>
@@ -2761,7 +2982,7 @@
           <a:p>
             <a:fld id="{8B8265E5-5E35-4F50-869B-ACC7CF337DF9}" type="datetimeFigureOut">
               <a:rPr lang="en-IN" smtClean="0"/>
-              <a:t>28-07-2025</a:t>
+              <a:t>11-08-2025</a:t>
             </a:fld>
             <a:endParaRPr lang="en-IN"/>
           </a:p>
@@ -3050,7 +3271,7 @@
           <a:p>
             <a:fld id="{8B8265E5-5E35-4F50-869B-ACC7CF337DF9}" type="datetimeFigureOut">
               <a:rPr lang="en-IN" smtClean="0"/>
-              <a:t>28-07-2025</a:t>
+              <a:t>11-08-2025</a:t>
             </a:fld>
             <a:endParaRPr lang="en-IN"/>
           </a:p>
@@ -3293,7 +3514,7 @@
           <a:p>
             <a:fld id="{8B8265E5-5E35-4F50-869B-ACC7CF337DF9}" type="datetimeFigureOut">
               <a:rPr lang="en-IN" smtClean="0"/>
-              <a:t>28-07-2025</a:t>
+              <a:t>11-08-2025</a:t>
             </a:fld>
             <a:endParaRPr lang="en-IN"/>
           </a:p>
@@ -3842,305 +4063,45 @@
           </a:p>
         </p:txBody>
       </p:sp>
-    </p:spTree>
-    <p:extLst>
-      <p:ext uri="{BB962C8B-B14F-4D97-AF65-F5344CB8AC3E}">
-        <p14:creationId xmlns:p14="http://schemas.microsoft.com/office/powerpoint/2010/main" val="2381247086"/>
-      </p:ext>
-    </p:extLst>
-  </p:cSld>
-  <p:clrMapOvr>
-    <a:masterClrMapping/>
-  </p:clrMapOvr>
-</p:sld>
-</file>
-
-<file path=ppt/slides/slide10.xml><?xml version="1.0" encoding="utf-8"?>
-<p:sld xmlns:a="http://schemas.openxmlformats.org/drawingml/2006/main" xmlns:r="http://schemas.openxmlformats.org/officeDocument/2006/relationships" xmlns:p="http://schemas.openxmlformats.org/presentationml/2006/main">
-  <p:cSld>
-    <p:spTree>
-      <p:nvGrpSpPr>
-        <p:cNvPr id="1" name="">
-          <a:extLst>
-            <a:ext uri="{FF2B5EF4-FFF2-40B4-BE49-F238E27FC236}">
-              <a16:creationId xmlns:a16="http://schemas.microsoft.com/office/drawing/2014/main" id="{BF4FBA5A-6499-8A35-6086-5B35D38E057E}"/>
-            </a:ext>
-          </a:extLst>
-        </p:cNvPr>
-        <p:cNvGrpSpPr/>
-        <p:nvPr/>
-      </p:nvGrpSpPr>
-      <p:grpSpPr>
-        <a:xfrm>
-          <a:off x="0" y="0"/>
-          <a:ext cx="0" cy="0"/>
-          <a:chOff x="0" y="0"/>
-          <a:chExt cx="0" cy="0"/>
-        </a:xfrm>
-      </p:grpSpPr>
       <p:pic>
         <p:nvPicPr>
-          <p:cNvPr id="9" name="Picture 8">
-            <a:extLst>
-              <a:ext uri="{FF2B5EF4-FFF2-40B4-BE49-F238E27FC236}">
-                <a16:creationId xmlns:a16="http://schemas.microsoft.com/office/drawing/2014/main" id="{73FF0F37-FC9B-A15F-415E-0129E11385F5}"/>
+          <p:cNvPr id="3" name="Content Placeholder 4">
+            <a:extLst>
+              <a:ext uri="{FF2B5EF4-FFF2-40B4-BE49-F238E27FC236}">
+                <a16:creationId xmlns:a16="http://schemas.microsoft.com/office/drawing/2014/main" id="{49D86A38-3EE8-3EE8-6AF2-C0DB66DB3443}"/>
               </a:ext>
             </a:extLst>
           </p:cNvPr>
           <p:cNvPicPr>
-            <a:picLocks noChangeAspect="1"/>
+            <a:picLocks noGrp="1" noChangeAspect="1"/>
           </p:cNvPicPr>
           <p:nvPr/>
         </p:nvPicPr>
         <p:blipFill>
-          <a:blip r:embed="rId2">
+          <a:blip r:embed="rId4">
             <a:extLst>
               <a:ext uri="{28A0092B-C50C-407E-A947-70E740481C1C}">
                 <a14:useLocalDpi xmlns:a14="http://schemas.microsoft.com/office/drawing/2010/main" val="0"/>
               </a:ext>
             </a:extLst>
           </a:blip>
-          <a:stretch>
-            <a:fillRect/>
-          </a:stretch>
+          <a:srcRect/>
+          <a:stretch/>
         </p:blipFill>
         <p:spPr>
           <a:xfrm>
-            <a:off x="0" y="0"/>
-            <a:ext cx="12192000" cy="6853293"/>
+            <a:off x="-3047" y="0"/>
+            <a:ext cx="12198095" cy="6858000"/>
           </a:xfrm>
           <a:prstGeom prst="rect">
             <a:avLst/>
           </a:prstGeom>
         </p:spPr>
       </p:pic>
-      <p:sp>
-        <p:nvSpPr>
-          <p:cNvPr id="12" name="Title 11">
-            <a:extLst>
-              <a:ext uri="{FF2B5EF4-FFF2-40B4-BE49-F238E27FC236}">
-                <a16:creationId xmlns:a16="http://schemas.microsoft.com/office/drawing/2014/main" id="{3437FF27-219F-D813-D37F-DDB2C5738BC8}"/>
-              </a:ext>
-            </a:extLst>
-          </p:cNvPr>
-          <p:cNvSpPr>
-            <a:spLocks noGrp="1"/>
-          </p:cNvSpPr>
-          <p:nvPr>
-            <p:ph type="title"/>
-          </p:nvPr>
-        </p:nvSpPr>
-        <p:spPr>
-          <a:xfrm>
-            <a:off x="838200" y="1363581"/>
-            <a:ext cx="10515600" cy="3076074"/>
-          </a:xfrm>
-        </p:spPr>
-        <p:txBody>
-          <a:bodyPr>
-            <a:normAutofit fontScale="90000"/>
-          </a:bodyPr>
-          <a:lstStyle/>
-          <a:p>
-            <a:r>
-              <a:rPr lang="en-US" b="1" dirty="0">
-                <a:solidFill>
-                  <a:srgbClr val="C00000"/>
-                </a:solidFill>
-              </a:rPr>
-              <a:t>Deep Learning</a:t>
-            </a:r>
-            <a:br>
-              <a:rPr lang="en-IN" dirty="0">
-                <a:solidFill>
-                  <a:srgbClr val="002060"/>
-                </a:solidFill>
-              </a:rPr>
-            </a:br>
-            <a:br>
-              <a:rPr lang="en-IN" dirty="0">
-                <a:solidFill>
-                  <a:srgbClr val="002060"/>
-                </a:solidFill>
-              </a:rPr>
-            </a:br>
-            <a:br>
-              <a:rPr lang="en-US" dirty="0">
-                <a:solidFill>
-                  <a:srgbClr val="002060"/>
-                </a:solidFill>
-              </a:rPr>
-            </a:br>
-            <a:br>
-              <a:rPr lang="en-US" dirty="0">
-                <a:solidFill>
-                  <a:srgbClr val="002060"/>
-                </a:solidFill>
-              </a:rPr>
-            </a:br>
-            <a:br>
-              <a:rPr lang="en-US" dirty="0">
-                <a:solidFill>
-                  <a:srgbClr val="002060"/>
-                </a:solidFill>
-              </a:rPr>
-            </a:br>
-            <a:endParaRPr lang="en-IN" b="1" dirty="0">
-              <a:solidFill>
-                <a:srgbClr val="FF0000"/>
-              </a:solidFill>
-            </a:endParaRPr>
-          </a:p>
-        </p:txBody>
-      </p:sp>
-      <p:sp>
-        <p:nvSpPr>
-          <p:cNvPr id="4" name="Content Placeholder 3">
-            <a:extLst>
-              <a:ext uri="{FF2B5EF4-FFF2-40B4-BE49-F238E27FC236}">
-                <a16:creationId xmlns:a16="http://schemas.microsoft.com/office/drawing/2014/main" id="{B93C4DBF-5000-13CE-0F3B-163064CCB4C4}"/>
-              </a:ext>
-            </a:extLst>
-          </p:cNvPr>
-          <p:cNvSpPr>
-            <a:spLocks noGrp="1"/>
-          </p:cNvSpPr>
-          <p:nvPr>
-            <p:ph idx="1"/>
-          </p:nvPr>
-        </p:nvSpPr>
-        <p:spPr>
-          <a:xfrm>
-            <a:off x="838200" y="2261937"/>
-            <a:ext cx="10515600" cy="3915026"/>
-          </a:xfrm>
-        </p:spPr>
-        <p:txBody>
-          <a:bodyPr/>
-          <a:lstStyle/>
-          <a:p>
-            <a:endParaRPr lang="en-IN" dirty="0"/>
-          </a:p>
-        </p:txBody>
-      </p:sp>
     </p:spTree>
     <p:extLst>
       <p:ext uri="{BB962C8B-B14F-4D97-AF65-F5344CB8AC3E}">
-        <p14:creationId xmlns:p14="http://schemas.microsoft.com/office/powerpoint/2010/main" val="1195287565"/>
-      </p:ext>
-    </p:extLst>
-  </p:cSld>
-  <p:clrMapOvr>
-    <a:masterClrMapping/>
-  </p:clrMapOvr>
-</p:sld>
-</file>
-
-<file path=ppt/slides/slide11.xml><?xml version="1.0" encoding="utf-8"?>
-<p:sld xmlns:a="http://schemas.openxmlformats.org/drawingml/2006/main" xmlns:r="http://schemas.openxmlformats.org/officeDocument/2006/relationships" xmlns:p="http://schemas.openxmlformats.org/presentationml/2006/main">
-  <p:cSld>
-    <p:spTree>
-      <p:nvGrpSpPr>
-        <p:cNvPr id="1" name="">
-          <a:extLst>
-            <a:ext uri="{FF2B5EF4-FFF2-40B4-BE49-F238E27FC236}">
-              <a16:creationId xmlns:a16="http://schemas.microsoft.com/office/drawing/2014/main" id="{08F020C8-C696-8712-6B14-34CA50EE353A}"/>
-            </a:ext>
-          </a:extLst>
-        </p:cNvPr>
-        <p:cNvGrpSpPr/>
-        <p:nvPr/>
-      </p:nvGrpSpPr>
-      <p:grpSpPr>
-        <a:xfrm>
-          <a:off x="0" y="0"/>
-          <a:ext cx="0" cy="0"/>
-          <a:chOff x="0" y="0"/>
-          <a:chExt cx="0" cy="0"/>
-        </a:xfrm>
-      </p:grpSpPr>
-      <p:pic>
-        <p:nvPicPr>
-          <p:cNvPr id="9" name="Picture 8">
-            <a:extLst>
-              <a:ext uri="{FF2B5EF4-FFF2-40B4-BE49-F238E27FC236}">
-                <a16:creationId xmlns:a16="http://schemas.microsoft.com/office/drawing/2014/main" id="{7CC4CBFF-7920-70C0-A06E-0C70678C0D18}"/>
-              </a:ext>
-            </a:extLst>
-          </p:cNvPr>
-          <p:cNvPicPr>
-            <a:picLocks noChangeAspect="1"/>
-          </p:cNvPicPr>
-          <p:nvPr/>
-        </p:nvPicPr>
-        <p:blipFill>
-          <a:blip r:embed="rId2">
-            <a:extLst>
-              <a:ext uri="{28A0092B-C50C-407E-A947-70E740481C1C}">
-                <a14:useLocalDpi xmlns:a14="http://schemas.microsoft.com/office/drawing/2010/main" val="0"/>
-              </a:ext>
-            </a:extLst>
-          </a:blip>
-          <a:stretch>
-            <a:fillRect/>
-          </a:stretch>
-        </p:blipFill>
-        <p:spPr>
-          <a:xfrm>
-            <a:off x="0" y="4707"/>
-            <a:ext cx="12192000" cy="6853293"/>
-          </a:xfrm>
-          <a:prstGeom prst="rect">
-            <a:avLst/>
-          </a:prstGeom>
-        </p:spPr>
-      </p:pic>
-      <p:sp>
-        <p:nvSpPr>
-          <p:cNvPr id="12" name="Title 11">
-            <a:extLst>
-              <a:ext uri="{FF2B5EF4-FFF2-40B4-BE49-F238E27FC236}">
-                <a16:creationId xmlns:a16="http://schemas.microsoft.com/office/drawing/2014/main" id="{25BED996-97FE-4465-A247-9E0741B69D7B}"/>
-              </a:ext>
-            </a:extLst>
-          </p:cNvPr>
-          <p:cNvSpPr>
-            <a:spLocks noGrp="1"/>
-          </p:cNvSpPr>
-          <p:nvPr>
-            <p:ph type="title"/>
-          </p:nvPr>
-        </p:nvSpPr>
-        <p:spPr>
-          <a:xfrm>
-            <a:off x="838200" y="1058779"/>
-            <a:ext cx="10515600" cy="1411703"/>
-          </a:xfrm>
-        </p:spPr>
-        <p:txBody>
-          <a:bodyPr/>
-          <a:lstStyle/>
-          <a:p>
-            <a:r>
-              <a:rPr lang="en-US" b="1" dirty="0">
-                <a:solidFill>
-                  <a:srgbClr val="FF0000"/>
-                </a:solidFill>
-              </a:rPr>
-              <a:t>Thank You</a:t>
-            </a:r>
-            <a:endParaRPr lang="en-IN" b="1" dirty="0">
-              <a:solidFill>
-                <a:srgbClr val="FF0000"/>
-              </a:solidFill>
-            </a:endParaRPr>
-          </a:p>
-        </p:txBody>
-      </p:sp>
-    </p:spTree>
-    <p:extLst>
-      <p:ext uri="{BB962C8B-B14F-4D97-AF65-F5344CB8AC3E}">
-        <p14:creationId xmlns:p14="http://schemas.microsoft.com/office/powerpoint/2010/main" val="1263864946"/>
+        <p14:creationId xmlns:p14="http://schemas.microsoft.com/office/powerpoint/2010/main" val="2381247086"/>
       </p:ext>
     </p:extLst>
   </p:cSld>
@@ -4237,7 +4198,22 @@
                   <a:srgbClr val="FF0000"/>
                 </a:solidFill>
               </a:rPr>
-              <a:t>Careers in AI &amp; Big Data Analytics</a:t>
+              <a:t>Practical-Tools for Pre-processing</a:t>
+            </a:r>
+            <a:br>
+              <a:rPr lang="en-US" sz="6000" b="1" dirty="0">
+                <a:solidFill>
+                  <a:srgbClr val="FF0000"/>
+                </a:solidFill>
+              </a:rPr>
+            </a:br>
+            <a:r>
+              <a:rPr lang="en-US" sz="6000" b="1" dirty="0">
+                <a:solidFill>
+                  <a:srgbClr val="FF0000"/>
+                </a:solidFill>
+              </a:rPr>
+              <a:t>Data</a:t>
             </a:r>
             <a:endParaRPr lang="en-IN" sz="6000" b="1" dirty="0">
               <a:solidFill>
@@ -4388,23 +4364,41 @@
           <a:lstStyle/>
           <a:p>
             <a:r>
-              <a:rPr lang="en-US" dirty="0"/>
-              <a:t>Career map for roles in AI &amp; Big Data Analytics</a:t>
-            </a:r>
-          </a:p>
-          <a:p>
-            <a:r>
-              <a:rPr lang="en-US" dirty="0"/>
-              <a:t>Differences Supervised Learning, Unsupervised Learning and Deep Learning</a:t>
-            </a:r>
-            <a:r>
-              <a:rPr lang="en-IN" dirty="0">
+              <a:rPr lang="en-US" b="1" dirty="0">
                 <a:solidFill>
                   <a:srgbClr val="002060"/>
                 </a:solidFill>
               </a:rPr>
-              <a:t>“</a:t>
-            </a:r>
+              <a:t>Apply different approaches to normalize datasets such as feature scaling </a:t>
+            </a:r>
+            <a:r>
+              <a:rPr lang="en-US" b="1" dirty="0" err="1">
+                <a:solidFill>
+                  <a:srgbClr val="002060"/>
+                </a:solidFill>
+              </a:rPr>
+              <a:t>etc</a:t>
+            </a:r>
+            <a:endParaRPr lang="en-US" b="1" dirty="0">
+              <a:solidFill>
+                <a:srgbClr val="002060"/>
+              </a:solidFill>
+            </a:endParaRPr>
+          </a:p>
+          <a:p>
+            <a:r>
+              <a:rPr lang="en-US" b="1" dirty="0">
+                <a:solidFill>
+                  <a:srgbClr val="002060"/>
+                </a:solidFill>
+              </a:rPr>
+              <a:t>Apply appropriate tools and techniques to perform pre-processed data validation</a:t>
+            </a:r>
+            <a:endParaRPr lang="en-IN" b="1" dirty="0">
+              <a:solidFill>
+                <a:srgbClr val="002060"/>
+              </a:solidFill>
+            </a:endParaRPr>
           </a:p>
         </p:txBody>
       </p:sp>
@@ -4429,7 +4423,7 @@
         <p:cNvPr id="1" name="">
           <a:extLst>
             <a:ext uri="{FF2B5EF4-FFF2-40B4-BE49-F238E27FC236}">
-              <a16:creationId xmlns:a16="http://schemas.microsoft.com/office/drawing/2014/main" id="{FB1982F0-5BEB-0DA0-6FD8-FAFF88501EFF}"/>
+              <a16:creationId xmlns:a16="http://schemas.microsoft.com/office/drawing/2014/main" id="{082F708F-33BD-7A04-0D98-13752965594D}"/>
             </a:ext>
           </a:extLst>
         </p:cNvPr>
@@ -4449,7 +4443,7 @@
           <p:cNvPr id="9" name="Picture 8">
             <a:extLst>
               <a:ext uri="{FF2B5EF4-FFF2-40B4-BE49-F238E27FC236}">
-                <a16:creationId xmlns:a16="http://schemas.microsoft.com/office/drawing/2014/main" id="{FA9653A5-7931-8721-C0FF-C3C586F4A8AD}"/>
+                <a16:creationId xmlns:a16="http://schemas.microsoft.com/office/drawing/2014/main" id="{16DCFCC7-413A-EA56-4BFB-4F224C25E9B7}"/>
               </a:ext>
             </a:extLst>
           </p:cNvPr>
@@ -4485,7 +4479,7 @@
           <p:cNvPr id="12" name="Title 11">
             <a:extLst>
               <a:ext uri="{FF2B5EF4-FFF2-40B4-BE49-F238E27FC236}">
-                <a16:creationId xmlns:a16="http://schemas.microsoft.com/office/drawing/2014/main" id="{14221AC7-70EF-3E78-7957-84141B5AD992}"/>
+                <a16:creationId xmlns:a16="http://schemas.microsoft.com/office/drawing/2014/main" id="{45133845-1184-9A21-0427-2F5E81BD74C7}"/>
               </a:ext>
             </a:extLst>
           </p:cNvPr>
@@ -4498,8 +4492,8 @@
         </p:nvSpPr>
         <p:spPr>
           <a:xfrm>
-            <a:off x="838200" y="1090863"/>
-            <a:ext cx="10515600" cy="1171073"/>
+            <a:off x="838199" y="1058780"/>
+            <a:ext cx="11183911" cy="490036"/>
           </a:xfrm>
         </p:spPr>
         <p:txBody>
@@ -4514,98 +4508,135 @@
                   <a:srgbClr val="C00000"/>
                 </a:solidFill>
               </a:rPr>
-              <a:t>Career map for roles in AI &amp; Big Data Analytics</a:t>
-            </a:r>
-            <a:br>
-              <a:rPr lang="en-US" dirty="0">
+              <a:t>Key Techniques for Pre-Processed Data Validation</a:t>
+            </a:r>
+            <a:endParaRPr lang="en-IN" b="1" dirty="0">
+              <a:solidFill>
+                <a:srgbClr val="C00000"/>
+              </a:solidFill>
+            </a:endParaRPr>
+          </a:p>
+        </p:txBody>
+      </p:sp>
+      <p:sp>
+        <p:nvSpPr>
+          <p:cNvPr id="13" name="Content Placeholder 12">
+            <a:extLst>
+              <a:ext uri="{FF2B5EF4-FFF2-40B4-BE49-F238E27FC236}">
+                <a16:creationId xmlns:a16="http://schemas.microsoft.com/office/drawing/2014/main" id="{18523CE9-20CE-9605-FF90-70B098EB59F0}"/>
+              </a:ext>
+            </a:extLst>
+          </p:cNvPr>
+          <p:cNvSpPr>
+            <a:spLocks noGrp="1"/>
+          </p:cNvSpPr>
+          <p:nvPr>
+            <p:ph idx="1"/>
+          </p:nvPr>
+        </p:nvSpPr>
+        <p:spPr>
+          <a:xfrm>
+            <a:off x="838200" y="1798821"/>
+            <a:ext cx="10515600" cy="4378142"/>
+          </a:xfrm>
+        </p:spPr>
+        <p:txBody>
+          <a:bodyPr/>
+          <a:lstStyle/>
+          <a:p>
+            <a:r>
+              <a:rPr lang="en-US" b="1" dirty="0">
+                <a:solidFill>
+                  <a:srgbClr val="FF0000"/>
+                </a:solidFill>
+              </a:rPr>
+              <a:t>Schema Validation</a:t>
+            </a:r>
+          </a:p>
+          <a:p>
+            <a:pPr lvl="1"/>
+            <a:r>
+              <a:rPr lang="en-US" sz="2800" dirty="0">
                 <a:solidFill>
                   <a:srgbClr val="002060"/>
                 </a:solidFill>
               </a:rPr>
-            </a:br>
-            <a:endParaRPr lang="en-IN" b="1" dirty="0">
-              <a:solidFill>
-                <a:srgbClr val="FF0000"/>
-              </a:solidFill>
-            </a:endParaRPr>
-          </a:p>
-        </p:txBody>
-      </p:sp>
-      <p:sp>
-        <p:nvSpPr>
-          <p:cNvPr id="4" name="Content Placeholder 3">
-            <a:extLst>
-              <a:ext uri="{FF2B5EF4-FFF2-40B4-BE49-F238E27FC236}">
-                <a16:creationId xmlns:a16="http://schemas.microsoft.com/office/drawing/2014/main" id="{578CAB42-7D2A-6EDC-C435-EECC86B0DFC6}"/>
-              </a:ext>
-            </a:extLst>
-          </p:cNvPr>
-          <p:cNvSpPr>
-            <a:spLocks noGrp="1"/>
-          </p:cNvSpPr>
-          <p:nvPr>
-            <p:ph idx="1"/>
-          </p:nvPr>
-        </p:nvSpPr>
-        <p:spPr>
-          <a:xfrm>
-            <a:off x="838200" y="2261937"/>
-            <a:ext cx="10515600" cy="3915026"/>
-          </a:xfrm>
-        </p:spPr>
-        <p:txBody>
-          <a:bodyPr/>
-          <a:lstStyle/>
-          <a:p>
-            <a:pPr marL="0" indent="0">
-              <a:buNone/>
-            </a:pPr>
-            <a:r>
-              <a:rPr lang="en-IN" b="1" dirty="0">
+              <a:t>Ensures data adheres to expected structure (e.g., field names, types, constraints)</a:t>
+            </a:r>
+          </a:p>
+          <a:p>
+            <a:pPr lvl="1"/>
+            <a:r>
+              <a:rPr lang="en-US" sz="2800" dirty="0">
                 <a:solidFill>
                   <a:srgbClr val="002060"/>
                 </a:solidFill>
               </a:rPr>
-              <a:t>Data Analyst</a:t>
-            </a:r>
-          </a:p>
-          <a:p>
-            <a:r>
-              <a:rPr lang="en-IN" b="1" dirty="0"/>
-              <a:t>Responsibilities:</a:t>
-            </a:r>
-            <a:r>
-              <a:rPr lang="en-IN" dirty="0"/>
-              <a:t> Collects, processes, and </a:t>
-            </a:r>
-            <a:r>
-              <a:rPr lang="en-IN" dirty="0" err="1"/>
-              <a:t>analyzes</a:t>
-            </a:r>
-            <a:r>
-              <a:rPr lang="en-IN" dirty="0"/>
-              <a:t> large datasets to reveal trends, patterns, and actionable insights. Prepares reports for stakeholders and builds dashboards to visualize findings.</a:t>
-            </a:r>
-          </a:p>
-          <a:p>
-            <a:r>
-              <a:rPr lang="en-IN" b="1" dirty="0"/>
-              <a:t>Typical Tools:</a:t>
-            </a:r>
-            <a:r>
-              <a:rPr lang="en-IN" dirty="0"/>
-              <a:t> Excel, SQL, Tableau, Power BI, Python.</a:t>
-            </a:r>
-          </a:p>
-          <a:p>
-            <a:endParaRPr lang="en-IN" dirty="0"/>
+              <a:t>Flags missing fields, incorrect types, or unexpected formats</a:t>
+            </a:r>
+          </a:p>
+          <a:p>
+            <a:pPr lvl="1"/>
+            <a:r>
+              <a:rPr lang="en-US" sz="2800" dirty="0">
+                <a:solidFill>
+                  <a:srgbClr val="002060"/>
+                </a:solidFill>
+              </a:rPr>
+              <a:t>Example:  </a:t>
+            </a:r>
+            <a:r>
+              <a:rPr lang="en-US" sz="2800" b="1" dirty="0" err="1">
+                <a:solidFill>
+                  <a:srgbClr val="002060"/>
+                </a:solidFill>
+              </a:rPr>
+              <a:t>customer_id</a:t>
+            </a:r>
+            <a:r>
+              <a:rPr lang="en-US" sz="2800" b="1" dirty="0">
+                <a:solidFill>
+                  <a:srgbClr val="002060"/>
+                </a:solidFill>
+              </a:rPr>
+              <a:t> </a:t>
+            </a:r>
+            <a:r>
+              <a:rPr lang="en-US" sz="2800" dirty="0">
+                <a:solidFill>
+                  <a:srgbClr val="002060"/>
+                </a:solidFill>
+              </a:rPr>
+              <a:t>must be an integer, </a:t>
+            </a:r>
+            <a:r>
+              <a:rPr lang="en-US" sz="2800" b="1" dirty="0">
+                <a:solidFill>
+                  <a:srgbClr val="002060"/>
+                </a:solidFill>
+              </a:rPr>
+              <a:t>email</a:t>
+            </a:r>
+            <a:r>
+              <a:rPr lang="en-US" sz="2800" dirty="0">
+                <a:solidFill>
+                  <a:srgbClr val="002060"/>
+                </a:solidFill>
+              </a:rPr>
+              <a:t> must be a valid string</a:t>
+            </a:r>
+            <a:endParaRPr lang="en-IN" sz="2800" dirty="0">
+              <a:solidFill>
+                <a:srgbClr val="002060"/>
+              </a:solidFill>
+            </a:endParaRPr>
           </a:p>
         </p:txBody>
       </p:sp>
     </p:spTree>
     <p:extLst>
       <p:ext uri="{BB962C8B-B14F-4D97-AF65-F5344CB8AC3E}">
-        <p14:creationId xmlns:p14="http://schemas.microsoft.com/office/powerpoint/2010/main" val="131540703"/>
+        <p14:creationId xmlns:p14="http://schemas.microsoft.com/office/powerpoint/2010/main" val="3163660145"/>
       </p:ext>
     </p:extLst>
   </p:cSld>
@@ -4623,7 +4654,7 @@
         <p:cNvPr id="1" name="">
           <a:extLst>
             <a:ext uri="{FF2B5EF4-FFF2-40B4-BE49-F238E27FC236}">
-              <a16:creationId xmlns:a16="http://schemas.microsoft.com/office/drawing/2014/main" id="{2FBF0153-C9A9-D46C-01B2-41753D68E45E}"/>
+              <a16:creationId xmlns:a16="http://schemas.microsoft.com/office/drawing/2014/main" id="{134E5771-7A35-27A1-157A-92ED4B2E1D5B}"/>
             </a:ext>
           </a:extLst>
         </p:cNvPr>
@@ -4643,7 +4674,7 @@
           <p:cNvPr id="9" name="Picture 8">
             <a:extLst>
               <a:ext uri="{FF2B5EF4-FFF2-40B4-BE49-F238E27FC236}">
-                <a16:creationId xmlns:a16="http://schemas.microsoft.com/office/drawing/2014/main" id="{C1938744-0A14-7C58-D756-DA7BFA361E6C}"/>
+                <a16:creationId xmlns:a16="http://schemas.microsoft.com/office/drawing/2014/main" id="{8D3D8863-27BA-619E-D7FD-5702D859F5AC}"/>
               </a:ext>
             </a:extLst>
           </p:cNvPr>
@@ -4679,7 +4710,7 @@
           <p:cNvPr id="12" name="Title 11">
             <a:extLst>
               <a:ext uri="{FF2B5EF4-FFF2-40B4-BE49-F238E27FC236}">
-                <a16:creationId xmlns:a16="http://schemas.microsoft.com/office/drawing/2014/main" id="{55EBC230-AA0A-E2EC-4902-663BBB100639}"/>
+                <a16:creationId xmlns:a16="http://schemas.microsoft.com/office/drawing/2014/main" id="{ECB517AB-E9A6-CDD4-19B2-B26C8846298B}"/>
               </a:ext>
             </a:extLst>
           </p:cNvPr>
@@ -4692,8 +4723,8 @@
         </p:nvSpPr>
         <p:spPr>
           <a:xfrm>
-            <a:off x="838200" y="1090863"/>
-            <a:ext cx="10515600" cy="1171073"/>
+            <a:off x="838199" y="1058780"/>
+            <a:ext cx="11183911" cy="490036"/>
           </a:xfrm>
         </p:spPr>
         <p:txBody>
@@ -4703,103 +4734,89 @@
           <a:lstStyle/>
           <a:p>
             <a:r>
-              <a:rPr lang="en-US" b="1">
+              <a:rPr lang="en-US" b="1" dirty="0">
                 <a:solidFill>
                   <a:srgbClr val="C00000"/>
                 </a:solidFill>
               </a:rPr>
-              <a:t>Career  roles </a:t>
-            </a:r>
-            <a:br>
-              <a:rPr lang="en-US" dirty="0">
+              <a:t>Key Techniques for Pre-Processed Data Validation</a:t>
+            </a:r>
+            <a:endParaRPr lang="en-IN" b="1" dirty="0">
+              <a:solidFill>
+                <a:srgbClr val="C00000"/>
+              </a:solidFill>
+            </a:endParaRPr>
+          </a:p>
+        </p:txBody>
+      </p:sp>
+      <p:sp>
+        <p:nvSpPr>
+          <p:cNvPr id="13" name="Content Placeholder 12">
+            <a:extLst>
+              <a:ext uri="{FF2B5EF4-FFF2-40B4-BE49-F238E27FC236}">
+                <a16:creationId xmlns:a16="http://schemas.microsoft.com/office/drawing/2014/main" id="{578CB0A8-41AF-BF1A-91D8-BCFA58910BE0}"/>
+              </a:ext>
+            </a:extLst>
+          </p:cNvPr>
+          <p:cNvSpPr>
+            <a:spLocks noGrp="1"/>
+          </p:cNvSpPr>
+          <p:nvPr>
+            <p:ph idx="1"/>
+          </p:nvPr>
+        </p:nvSpPr>
+        <p:spPr>
+          <a:xfrm>
+            <a:off x="838200" y="1798821"/>
+            <a:ext cx="10515600" cy="4378142"/>
+          </a:xfrm>
+        </p:spPr>
+        <p:txBody>
+          <a:bodyPr/>
+          <a:lstStyle/>
+          <a:p>
+            <a:r>
+              <a:rPr lang="en-US" b="1" dirty="0">
+                <a:solidFill>
+                  <a:srgbClr val="FF0000"/>
+                </a:solidFill>
+              </a:rPr>
+              <a:t>Data Type &amp; Format Checks</a:t>
+            </a:r>
+          </a:p>
+          <a:p>
+            <a:pPr lvl="1"/>
+            <a:r>
+              <a:rPr lang="en-US" sz="2800" dirty="0">
                 <a:solidFill>
                   <a:srgbClr val="002060"/>
                 </a:solidFill>
               </a:rPr>
-            </a:br>
-            <a:endParaRPr lang="en-IN" b="1" dirty="0">
-              <a:solidFill>
-                <a:srgbClr val="FF0000"/>
-              </a:solidFill>
-            </a:endParaRPr>
-          </a:p>
-        </p:txBody>
-      </p:sp>
-      <p:sp>
-        <p:nvSpPr>
-          <p:cNvPr id="4" name="Content Placeholder 3">
-            <a:extLst>
-              <a:ext uri="{FF2B5EF4-FFF2-40B4-BE49-F238E27FC236}">
-                <a16:creationId xmlns:a16="http://schemas.microsoft.com/office/drawing/2014/main" id="{39735FD5-EFD8-E566-AC4B-84B3BA5FD6A2}"/>
-              </a:ext>
-            </a:extLst>
-          </p:cNvPr>
-          <p:cNvSpPr>
-            <a:spLocks noGrp="1"/>
-          </p:cNvSpPr>
-          <p:nvPr>
-            <p:ph idx="1"/>
-          </p:nvPr>
-        </p:nvSpPr>
-        <p:spPr>
-          <a:xfrm>
-            <a:off x="838200" y="2261937"/>
-            <a:ext cx="10515600" cy="3915026"/>
-          </a:xfrm>
-        </p:spPr>
-        <p:txBody>
-          <a:bodyPr/>
-          <a:lstStyle/>
-          <a:p>
-            <a:pPr marL="0" indent="0">
-              <a:buNone/>
-            </a:pPr>
-            <a:r>
-              <a:rPr lang="en-IN" b="1" dirty="0">
+              <a:t>Validates that values match expected formats (e.g., dates in , phone numbers)</a:t>
+            </a:r>
+          </a:p>
+          <a:p>
+            <a:pPr lvl="1"/>
+            <a:r>
+              <a:rPr lang="en-US" sz="2800" dirty="0">
                 <a:solidFill>
                   <a:srgbClr val="002060"/>
                 </a:solidFill>
               </a:rPr>
-              <a:t>Data Analyst</a:t>
-            </a:r>
-          </a:p>
-          <a:p>
-            <a:r>
-              <a:rPr lang="en-IN" b="1" dirty="0"/>
-              <a:t>Responsibilities:</a:t>
-            </a:r>
-            <a:r>
-              <a:rPr lang="en-IN" dirty="0"/>
-              <a:t> Collects, processes, and </a:t>
-            </a:r>
-            <a:r>
-              <a:rPr lang="en-IN" dirty="0" err="1"/>
-              <a:t>analyzes</a:t>
-            </a:r>
-            <a:r>
-              <a:rPr lang="en-IN" dirty="0"/>
-              <a:t> large datasets to reveal trends, patterns, and actionable insights. Prepares reports for stakeholders and builds dashboards to visualize findings.</a:t>
-            </a:r>
-          </a:p>
-          <a:p>
-            <a:r>
-              <a:rPr lang="en-IN" b="1" dirty="0"/>
-              <a:t>Typical Tools:</a:t>
-            </a:r>
-            <a:r>
-              <a:rPr lang="en-IN" dirty="0"/>
-              <a:t> Excel, SQL, Tableau, Power BI, Python.</a:t>
-            </a:r>
-          </a:p>
-          <a:p>
-            <a:endParaRPr lang="en-IN" dirty="0"/>
+              <a:t>Prevents parsing errors and logic failures</a:t>
+            </a:r>
+            <a:endParaRPr lang="en-IN" sz="2800" dirty="0">
+              <a:solidFill>
+                <a:srgbClr val="002060"/>
+              </a:solidFill>
+            </a:endParaRPr>
           </a:p>
         </p:txBody>
       </p:sp>
     </p:spTree>
     <p:extLst>
       <p:ext uri="{BB962C8B-B14F-4D97-AF65-F5344CB8AC3E}">
-        <p14:creationId xmlns:p14="http://schemas.microsoft.com/office/powerpoint/2010/main" val="1337943040"/>
+        <p14:creationId xmlns:p14="http://schemas.microsoft.com/office/powerpoint/2010/main" val="3715086361"/>
       </p:ext>
     </p:extLst>
   </p:cSld>
@@ -4817,7 +4834,7 @@
         <p:cNvPr id="1" name="">
           <a:extLst>
             <a:ext uri="{FF2B5EF4-FFF2-40B4-BE49-F238E27FC236}">
-              <a16:creationId xmlns:a16="http://schemas.microsoft.com/office/drawing/2014/main" id="{298C305C-24EE-E6F8-ADA7-B19A4F87414A}"/>
+              <a16:creationId xmlns:a16="http://schemas.microsoft.com/office/drawing/2014/main" id="{60298583-8A79-E939-EF7B-07BB491FC75B}"/>
             </a:ext>
           </a:extLst>
         </p:cNvPr>
@@ -4837,7 +4854,7 @@
           <p:cNvPr id="9" name="Picture 8">
             <a:extLst>
               <a:ext uri="{FF2B5EF4-FFF2-40B4-BE49-F238E27FC236}">
-                <a16:creationId xmlns:a16="http://schemas.microsoft.com/office/drawing/2014/main" id="{E9527F4D-69E3-6DB3-E2B6-BF17C7CE5C1D}"/>
+                <a16:creationId xmlns:a16="http://schemas.microsoft.com/office/drawing/2014/main" id="{CD37DD90-8D55-00BB-0399-9431FADCF8BD}"/>
               </a:ext>
             </a:extLst>
           </p:cNvPr>
@@ -4873,7 +4890,7 @@
           <p:cNvPr id="12" name="Title 11">
             <a:extLst>
               <a:ext uri="{FF2B5EF4-FFF2-40B4-BE49-F238E27FC236}">
-                <a16:creationId xmlns:a16="http://schemas.microsoft.com/office/drawing/2014/main" id="{ADD7F852-FFC2-6626-3163-8EA32EBA7812}"/>
+                <a16:creationId xmlns:a16="http://schemas.microsoft.com/office/drawing/2014/main" id="{21511BB6-FD17-34D9-6472-02AFCBAF0EAB}"/>
               </a:ext>
             </a:extLst>
           </p:cNvPr>
@@ -4886,8 +4903,8 @@
         </p:nvSpPr>
         <p:spPr>
           <a:xfrm>
-            <a:off x="838200" y="1090863"/>
-            <a:ext cx="10515600" cy="1171073"/>
+            <a:off x="838199" y="1058780"/>
+            <a:ext cx="11183911" cy="490036"/>
           </a:xfrm>
         </p:spPr>
         <p:txBody>
@@ -4902,90 +4919,111 @@
                   <a:srgbClr val="C00000"/>
                 </a:solidFill>
               </a:rPr>
-              <a:t>Career map for roles in AI &amp; Big Data Analytics</a:t>
-            </a:r>
-            <a:br>
-              <a:rPr lang="en-US" dirty="0">
+              <a:t>Key Techniques for Pre-Processed Data Validation</a:t>
+            </a:r>
+            <a:endParaRPr lang="en-IN" b="1" dirty="0">
+              <a:solidFill>
+                <a:srgbClr val="C00000"/>
+              </a:solidFill>
+            </a:endParaRPr>
+          </a:p>
+        </p:txBody>
+      </p:sp>
+      <p:sp>
+        <p:nvSpPr>
+          <p:cNvPr id="13" name="Content Placeholder 12">
+            <a:extLst>
+              <a:ext uri="{FF2B5EF4-FFF2-40B4-BE49-F238E27FC236}">
+                <a16:creationId xmlns:a16="http://schemas.microsoft.com/office/drawing/2014/main" id="{0840AAC7-B586-94E9-5462-8723A86BA404}"/>
+              </a:ext>
+            </a:extLst>
+          </p:cNvPr>
+          <p:cNvSpPr>
+            <a:spLocks noGrp="1"/>
+          </p:cNvSpPr>
+          <p:nvPr>
+            <p:ph idx="1"/>
+          </p:nvPr>
+        </p:nvSpPr>
+        <p:spPr>
+          <a:xfrm>
+            <a:off x="838200" y="1798821"/>
+            <a:ext cx="10515600" cy="4378142"/>
+          </a:xfrm>
+        </p:spPr>
+        <p:txBody>
+          <a:bodyPr/>
+          <a:lstStyle/>
+          <a:p>
+            <a:r>
+              <a:rPr lang="en-US" b="1" dirty="0">
+                <a:solidFill>
+                  <a:srgbClr val="FF0000"/>
+                </a:solidFill>
+              </a:rPr>
+              <a:t>Range &amp; Constraint Validation</a:t>
+            </a:r>
+          </a:p>
+          <a:p>
+            <a:pPr lvl="1"/>
+            <a:r>
+              <a:rPr lang="en-US" sz="2800" dirty="0">
                 <a:solidFill>
                   <a:srgbClr val="002060"/>
                 </a:solidFill>
               </a:rPr>
-            </a:br>
-            <a:endParaRPr lang="en-IN" b="1" dirty="0">
-              <a:solidFill>
-                <a:srgbClr val="FF0000"/>
-              </a:solidFill>
-            </a:endParaRPr>
-          </a:p>
-        </p:txBody>
-      </p:sp>
-      <p:sp>
-        <p:nvSpPr>
-          <p:cNvPr id="4" name="Content Placeholder 3">
-            <a:extLst>
-              <a:ext uri="{FF2B5EF4-FFF2-40B4-BE49-F238E27FC236}">
-                <a16:creationId xmlns:a16="http://schemas.microsoft.com/office/drawing/2014/main" id="{7524FDDB-07B4-54F0-DC21-901EF29BFD55}"/>
-              </a:ext>
-            </a:extLst>
-          </p:cNvPr>
-          <p:cNvSpPr>
-            <a:spLocks noGrp="1"/>
-          </p:cNvSpPr>
-          <p:nvPr>
-            <p:ph idx="1"/>
-          </p:nvPr>
-        </p:nvSpPr>
-        <p:spPr>
-          <a:xfrm>
-            <a:off x="838200" y="2261937"/>
-            <a:ext cx="10515600" cy="3915026"/>
-          </a:xfrm>
-        </p:spPr>
-        <p:txBody>
-          <a:bodyPr/>
-          <a:lstStyle/>
-          <a:p>
-            <a:pPr marL="0" indent="0">
-              <a:buNone/>
-            </a:pPr>
-            <a:r>
-              <a:rPr lang="en-US" b="1" dirty="0">
+              <a:t>Checks if numeric values fall within acceptable ranges</a:t>
+            </a:r>
+          </a:p>
+          <a:p>
+            <a:pPr lvl="1"/>
+            <a:r>
+              <a:rPr lang="en-US" sz="2800" dirty="0">
                 <a:solidFill>
                   <a:srgbClr val="002060"/>
                 </a:solidFill>
               </a:rPr>
-              <a:t>Data Scientist (Advanced/Progression Role)</a:t>
-            </a:r>
-          </a:p>
-          <a:p>
-            <a:r>
-              <a:rPr lang="en-US" b="1" dirty="0"/>
-              <a:t>Responsibilities:</a:t>
-            </a:r>
-            <a:r>
-              <a:rPr lang="en-US" dirty="0"/>
-              <a:t> Leverages advanced analytics, machine learning, and predictive models to solve complex business problems. Designs experiments, automates workflows, and develops custom data products.</a:t>
-            </a:r>
-          </a:p>
-          <a:p>
-            <a:r>
-              <a:rPr lang="en-US" b="1" dirty="0"/>
-              <a:t>Career Path:</a:t>
-            </a:r>
-            <a:r>
-              <a:rPr lang="en-US" dirty="0"/>
-              <a:t> Many experienced analysts grow into this role with upskilling.</a:t>
-            </a:r>
-          </a:p>
-          <a:p>
-            <a:endParaRPr lang="en-IN" dirty="0"/>
+              <a:t>Ensures categorical values match predefined set</a:t>
+            </a:r>
+          </a:p>
+          <a:p>
+            <a:r>
+              <a:rPr lang="en-IN" b="1" dirty="0">
+                <a:solidFill>
+                  <a:srgbClr val="FF0000"/>
+                </a:solidFill>
+              </a:rPr>
+              <a:t>Uniqueness &amp; Duplicate Detection</a:t>
+            </a:r>
+          </a:p>
+          <a:p>
+            <a:pPr lvl="1"/>
+            <a:r>
+              <a:rPr lang="en-IN" sz="2800" dirty="0">
+                <a:solidFill>
+                  <a:srgbClr val="002060"/>
+                </a:solidFill>
+              </a:rPr>
+              <a:t>Ensures primary keys or identifiers are unique</a:t>
+            </a:r>
+          </a:p>
+          <a:p>
+            <a:pPr lvl="1"/>
+            <a:r>
+              <a:rPr lang="en-IN" sz="2800" dirty="0">
+                <a:solidFill>
+                  <a:srgbClr val="002060"/>
+                </a:solidFill>
+              </a:rPr>
+              <a:t>Flags duplicate rows or records</a:t>
+            </a:r>
           </a:p>
         </p:txBody>
       </p:sp>
     </p:spTree>
     <p:extLst>
       <p:ext uri="{BB962C8B-B14F-4D97-AF65-F5344CB8AC3E}">
-        <p14:creationId xmlns:p14="http://schemas.microsoft.com/office/powerpoint/2010/main" val="1370868504"/>
+        <p14:creationId xmlns:p14="http://schemas.microsoft.com/office/powerpoint/2010/main" val="347540356"/>
       </p:ext>
     </p:extLst>
   </p:cSld>
@@ -5003,7 +5041,7 @@
         <p:cNvPr id="1" name="">
           <a:extLst>
             <a:ext uri="{FF2B5EF4-FFF2-40B4-BE49-F238E27FC236}">
-              <a16:creationId xmlns:a16="http://schemas.microsoft.com/office/drawing/2014/main" id="{66E0E4B1-5F02-69C4-D339-CC109D9ABC88}"/>
+              <a16:creationId xmlns:a16="http://schemas.microsoft.com/office/drawing/2014/main" id="{F3533F65-D4F3-B375-8DBB-24E0FECD4D5E}"/>
             </a:ext>
           </a:extLst>
         </p:cNvPr>
@@ -5023,7 +5061,7 @@
           <p:cNvPr id="9" name="Picture 8">
             <a:extLst>
               <a:ext uri="{FF2B5EF4-FFF2-40B4-BE49-F238E27FC236}">
-                <a16:creationId xmlns:a16="http://schemas.microsoft.com/office/drawing/2014/main" id="{C0CEA051-E689-6F5E-E0CF-0341E67C596A}"/>
+                <a16:creationId xmlns:a16="http://schemas.microsoft.com/office/drawing/2014/main" id="{F2464D5F-46DA-9FC8-4ABE-C061AFC7F755}"/>
               </a:ext>
             </a:extLst>
           </p:cNvPr>
@@ -5059,7 +5097,7 @@
           <p:cNvPr id="12" name="Title 11">
             <a:extLst>
               <a:ext uri="{FF2B5EF4-FFF2-40B4-BE49-F238E27FC236}">
-                <a16:creationId xmlns:a16="http://schemas.microsoft.com/office/drawing/2014/main" id="{5AF4F4BF-6716-49E6-9582-E583D0D30CE3}"/>
+                <a16:creationId xmlns:a16="http://schemas.microsoft.com/office/drawing/2014/main" id="{CF4F40F3-668C-8403-4701-ECFCF8468C0A}"/>
               </a:ext>
             </a:extLst>
           </p:cNvPr>
@@ -5072,8 +5110,8 @@
         </p:nvSpPr>
         <p:spPr>
           <a:xfrm>
-            <a:off x="838200" y="1748325"/>
-            <a:ext cx="10515600" cy="1828800"/>
+            <a:off x="838199" y="1058780"/>
+            <a:ext cx="11183911" cy="490036"/>
           </a:xfrm>
         </p:spPr>
         <p:txBody>
@@ -5082,110 +5120,175 @@
           </a:bodyPr>
           <a:lstStyle/>
           <a:p>
-            <a:r>
-              <a:rPr lang="en-US" b="1" dirty="0" err="1">
-                <a:solidFill>
-                  <a:srgbClr val="C00000"/>
-                </a:solidFill>
-              </a:rPr>
-              <a:t>Analyse</a:t>
-            </a:r>
             <a:r>
               <a:rPr lang="en-US" b="1" dirty="0">
                 <a:solidFill>
                   <a:srgbClr val="C00000"/>
                 </a:solidFill>
               </a:rPr>
-              <a:t> the differences between key terms such as Supervised Learning, Unsupervised Learning and Deep Learning</a:t>
-            </a:r>
-            <a:br>
-              <a:rPr lang="en-US" dirty="0">
+              <a:t>Key Techniques for Pre-Processed Data Validation</a:t>
+            </a:r>
+            <a:endParaRPr lang="en-IN" b="1" dirty="0">
+              <a:solidFill>
+                <a:srgbClr val="C00000"/>
+              </a:solidFill>
+            </a:endParaRPr>
+          </a:p>
+        </p:txBody>
+      </p:sp>
+      <p:sp>
+        <p:nvSpPr>
+          <p:cNvPr id="13" name="Content Placeholder 12">
+            <a:extLst>
+              <a:ext uri="{FF2B5EF4-FFF2-40B4-BE49-F238E27FC236}">
+                <a16:creationId xmlns:a16="http://schemas.microsoft.com/office/drawing/2014/main" id="{9D21565F-D076-F30A-9DEE-28BA03E43EBF}"/>
+              </a:ext>
+            </a:extLst>
+          </p:cNvPr>
+          <p:cNvSpPr>
+            <a:spLocks noGrp="1"/>
+          </p:cNvSpPr>
+          <p:nvPr>
+            <p:ph idx="1"/>
+          </p:nvPr>
+        </p:nvSpPr>
+        <p:spPr>
+          <a:xfrm>
+            <a:off x="838200" y="1798821"/>
+            <a:ext cx="10515600" cy="4378142"/>
+          </a:xfrm>
+        </p:spPr>
+        <p:txBody>
+          <a:bodyPr/>
+          <a:lstStyle/>
+          <a:p>
+            <a:r>
+              <a:rPr lang="en-US" b="1" dirty="0">
+                <a:solidFill>
+                  <a:srgbClr val="FF0000"/>
+                </a:solidFill>
+              </a:rPr>
+              <a:t>Missing Value Handling</a:t>
+            </a:r>
+          </a:p>
+          <a:p>
+            <a:pPr lvl="1"/>
+            <a:r>
+              <a:rPr lang="en-US" sz="2800" dirty="0">
                 <a:solidFill>
                   <a:srgbClr val="002060"/>
                 </a:solidFill>
               </a:rPr>
-            </a:br>
-            <a:br>
-              <a:rPr lang="en-US" dirty="0">
+              <a:t>Identifies nulls or blanks</a:t>
+            </a:r>
+          </a:p>
+          <a:p>
+            <a:pPr lvl="1"/>
+            <a:r>
+              <a:rPr lang="en-US" sz="2800" dirty="0">
                 <a:solidFill>
                   <a:srgbClr val="002060"/>
                 </a:solidFill>
               </a:rPr>
-            </a:br>
-            <a:endParaRPr lang="en-IN" b="1" dirty="0">
-              <a:solidFill>
-                <a:srgbClr val="FF0000"/>
-              </a:solidFill>
-            </a:endParaRPr>
-          </a:p>
-        </p:txBody>
-      </p:sp>
-      <p:sp>
-        <p:nvSpPr>
-          <p:cNvPr id="4" name="Content Placeholder 3">
-            <a:extLst>
-              <a:ext uri="{FF2B5EF4-FFF2-40B4-BE49-F238E27FC236}">
-                <a16:creationId xmlns:a16="http://schemas.microsoft.com/office/drawing/2014/main" id="{2DC93587-953D-FBE6-A4B6-5060E75B821F}"/>
-              </a:ext>
-            </a:extLst>
-          </p:cNvPr>
-          <p:cNvSpPr>
-            <a:spLocks noGrp="1"/>
-          </p:cNvSpPr>
-          <p:nvPr>
-            <p:ph idx="1"/>
-          </p:nvPr>
-        </p:nvSpPr>
-        <p:spPr>
-          <a:xfrm>
-            <a:off x="838200" y="3252865"/>
-            <a:ext cx="10515600" cy="2924097"/>
-          </a:xfrm>
-        </p:spPr>
-        <p:txBody>
-          <a:bodyPr/>
-          <a:lstStyle/>
+              <a:t>Applies imputation, removal, or flagging strategies</a:t>
+            </a:r>
+          </a:p>
           <a:p>
             <a:r>
               <a:rPr lang="en-US" b="1" dirty="0">
+                <a:solidFill>
+                  <a:srgbClr val="FF0000"/>
+                </a:solidFill>
+              </a:rPr>
+              <a:t>Cross-field Validation</a:t>
+            </a:r>
+          </a:p>
+          <a:p>
+            <a:pPr lvl="1"/>
+            <a:r>
+              <a:rPr lang="en-US" sz="2800" dirty="0">
                 <a:solidFill>
                   <a:srgbClr val="002060"/>
                 </a:solidFill>
               </a:rPr>
-              <a:t>Supervised Learning</a:t>
-            </a:r>
-          </a:p>
-          <a:p>
-            <a:r>
-              <a:rPr lang="en-US" b="1" dirty="0">
+              <a:t>Ensures logical consistency between fields (</a:t>
+            </a:r>
+            <a:r>
+              <a:rPr lang="en-US" sz="2800" dirty="0" err="1">
                 <a:solidFill>
                   <a:srgbClr val="002060"/>
                 </a:solidFill>
               </a:rPr>
-              <a:t>Unsupervised Learning</a:t>
-            </a:r>
-          </a:p>
-          <a:p>
-            <a:r>
-              <a:rPr lang="en-US" b="1" dirty="0">
+              <a:t>e.g.</a:t>
+            </a:r>
+            <a:r>
+              <a:rPr lang="en-US" sz="2800" b="1" dirty="0" err="1">
                 <a:solidFill>
                   <a:srgbClr val="002060"/>
                 </a:solidFill>
               </a:rPr>
-              <a:t>Deep Learning</a:t>
-            </a:r>
-            <a:endParaRPr lang="en-IN" dirty="0">
-              <a:solidFill>
-                <a:srgbClr val="002060"/>
-              </a:solidFill>
-            </a:endParaRPr>
+              <a:t>start_date</a:t>
+            </a:r>
+            <a:r>
+              <a:rPr lang="en-US" sz="2800" b="1" dirty="0">
+                <a:solidFill>
+                  <a:srgbClr val="002060"/>
+                </a:solidFill>
+              </a:rPr>
+              <a:t>&lt;</a:t>
+            </a:r>
+            <a:r>
+              <a:rPr lang="en-US" sz="2800" b="1" dirty="0" err="1">
+                <a:solidFill>
+                  <a:srgbClr val="002060"/>
+                </a:solidFill>
+              </a:rPr>
+              <a:t>end_date</a:t>
+            </a:r>
+            <a:r>
+              <a:rPr lang="en-US" sz="2800" b="1" dirty="0">
+                <a:solidFill>
+                  <a:srgbClr val="002060"/>
+                </a:solidFill>
+              </a:rPr>
+              <a:t> </a:t>
+            </a:r>
+            <a:r>
+              <a:rPr lang="en-US" sz="2800" dirty="0">
+                <a:solidFill>
+                  <a:srgbClr val="002060"/>
+                </a:solidFill>
+              </a:rPr>
+              <a:t>)</a:t>
+            </a:r>
+          </a:p>
+          <a:p>
+            <a:r>
+              <a:rPr lang="en-US" b="1" dirty="0">
+                <a:solidFill>
+                  <a:srgbClr val="FF0000"/>
+                </a:solidFill>
+              </a:rPr>
+              <a:t>Business Rule Validation</a:t>
+            </a:r>
+          </a:p>
+          <a:p>
+            <a:pPr lvl="1"/>
+            <a:r>
+              <a:rPr lang="en-US" sz="2800" dirty="0">
+                <a:solidFill>
+                  <a:srgbClr val="002060"/>
+                </a:solidFill>
+              </a:rPr>
+              <a:t>Custom rules based on domain logic (e.g., age must be ≥ 18 for registration)</a:t>
+            </a:r>
           </a:p>
         </p:txBody>
       </p:sp>
     </p:spTree>
     <p:extLst>
       <p:ext uri="{BB962C8B-B14F-4D97-AF65-F5344CB8AC3E}">
-        <p14:creationId xmlns:p14="http://schemas.microsoft.com/office/powerpoint/2010/main" val="1248854694"/>
+        <p14:creationId xmlns:p14="http://schemas.microsoft.com/office/powerpoint/2010/main" val="3554338649"/>
       </p:ext>
     </p:extLst>
   </p:cSld>
@@ -5203,7 +5306,7 @@
         <p:cNvPr id="1" name="">
           <a:extLst>
             <a:ext uri="{FF2B5EF4-FFF2-40B4-BE49-F238E27FC236}">
-              <a16:creationId xmlns:a16="http://schemas.microsoft.com/office/drawing/2014/main" id="{E7AA1D02-136D-8F7F-374E-AE382BC03063}"/>
+              <a16:creationId xmlns:a16="http://schemas.microsoft.com/office/drawing/2014/main" id="{01F319F3-00AC-0253-7AB1-31584B08555D}"/>
             </a:ext>
           </a:extLst>
         </p:cNvPr>
@@ -5223,7 +5326,7 @@
           <p:cNvPr id="9" name="Picture 8">
             <a:extLst>
               <a:ext uri="{FF2B5EF4-FFF2-40B4-BE49-F238E27FC236}">
-                <a16:creationId xmlns:a16="http://schemas.microsoft.com/office/drawing/2014/main" id="{E7093ADB-6CDE-1EFA-767B-454223F6BE2C}"/>
+                <a16:creationId xmlns:a16="http://schemas.microsoft.com/office/drawing/2014/main" id="{06FE3879-E0A0-F8A5-DA73-E1F56BFC34A6}"/>
               </a:ext>
             </a:extLst>
           </p:cNvPr>
@@ -5246,7 +5349,7 @@
         </p:blipFill>
         <p:spPr>
           <a:xfrm>
-            <a:off x="0" y="0"/>
+            <a:off x="0" y="4707"/>
             <a:ext cx="12192000" cy="6853293"/>
           </a:xfrm>
           <a:prstGeom prst="rect">
@@ -5259,7 +5362,7 @@
           <p:cNvPr id="12" name="Title 11">
             <a:extLst>
               <a:ext uri="{FF2B5EF4-FFF2-40B4-BE49-F238E27FC236}">
-                <a16:creationId xmlns:a16="http://schemas.microsoft.com/office/drawing/2014/main" id="{764EDC2E-9453-3590-CDEE-148E9E4055CA}"/>
+                <a16:creationId xmlns:a16="http://schemas.microsoft.com/office/drawing/2014/main" id="{A9DBE64D-E11C-5428-2ECD-575516D5775B}"/>
               </a:ext>
             </a:extLst>
           </p:cNvPr>
@@ -5272,13 +5375,13 @@
         </p:nvSpPr>
         <p:spPr>
           <a:xfrm>
-            <a:off x="838200" y="1109273"/>
-            <a:ext cx="10515600" cy="3189156"/>
+            <a:off x="838199" y="1058780"/>
+            <a:ext cx="11183911" cy="490036"/>
           </a:xfrm>
         </p:spPr>
         <p:txBody>
           <a:bodyPr>
-            <a:normAutofit/>
+            <a:normAutofit fontScale="90000"/>
           </a:bodyPr>
           <a:lstStyle/>
           <a:p>
@@ -5288,78 +5391,381 @@
                   <a:srgbClr val="C00000"/>
                 </a:solidFill>
               </a:rPr>
-              <a:t>Supervised Learning</a:t>
-            </a:r>
-            <a:br>
-              <a:rPr lang="en-IN" dirty="0">
-                <a:solidFill>
-                  <a:srgbClr val="002060"/>
-                </a:solidFill>
-              </a:rPr>
-            </a:br>
-            <a:br>
-              <a:rPr lang="en-US" dirty="0">
-                <a:solidFill>
-                  <a:srgbClr val="002060"/>
-                </a:solidFill>
-              </a:rPr>
-            </a:br>
-            <a:br>
-              <a:rPr lang="en-US" dirty="0">
-                <a:solidFill>
-                  <a:srgbClr val="002060"/>
-                </a:solidFill>
-              </a:rPr>
-            </a:br>
-            <a:br>
-              <a:rPr lang="en-US" dirty="0">
-                <a:solidFill>
-                  <a:srgbClr val="002060"/>
-                </a:solidFill>
-              </a:rPr>
-            </a:br>
+              <a:t>Key Techniques for Pre-Processed Data Validation</a:t>
+            </a:r>
             <a:endParaRPr lang="en-IN" b="1" dirty="0">
               <a:solidFill>
-                <a:srgbClr val="FF0000"/>
+                <a:srgbClr val="C00000"/>
               </a:solidFill>
             </a:endParaRPr>
           </a:p>
         </p:txBody>
       </p:sp>
-      <p:sp>
-        <p:nvSpPr>
-          <p:cNvPr id="4" name="Content Placeholder 3">
-            <a:extLst>
-              <a:ext uri="{FF2B5EF4-FFF2-40B4-BE49-F238E27FC236}">
-                <a16:creationId xmlns:a16="http://schemas.microsoft.com/office/drawing/2014/main" id="{AB0C367C-6704-41A3-7DE2-9756C9777541}"/>
-              </a:ext>
-            </a:extLst>
-          </p:cNvPr>
-          <p:cNvSpPr>
-            <a:spLocks noGrp="1"/>
-          </p:cNvSpPr>
+      <p:graphicFrame>
+        <p:nvGraphicFramePr>
+          <p:cNvPr id="2" name="Content Placeholder 1">
+            <a:extLst>
+              <a:ext uri="{FF2B5EF4-FFF2-40B4-BE49-F238E27FC236}">
+                <a16:creationId xmlns:a16="http://schemas.microsoft.com/office/drawing/2014/main" id="{40B699A3-8076-9F75-13F9-D4B874A2D538}"/>
+              </a:ext>
+            </a:extLst>
+          </p:cNvPr>
+          <p:cNvGraphicFramePr>
+            <a:graphicFrameLocks noGrp="1"/>
+          </p:cNvGraphicFramePr>
           <p:nvPr>
             <p:ph idx="1"/>
-          </p:nvPr>
-        </p:nvSpPr>
-        <p:spPr>
-          <a:xfrm>
-            <a:off x="838200" y="2261937"/>
-            <a:ext cx="10515600" cy="3915026"/>
-          </a:xfrm>
-        </p:spPr>
-        <p:txBody>
-          <a:bodyPr/>
-          <a:lstStyle/>
-          <a:p>
-            <a:endParaRPr lang="en-IN" dirty="0"/>
-          </a:p>
-        </p:txBody>
-      </p:sp>
+            <p:extLst>
+              <p:ext uri="{D42A27DB-BD31-4B8C-83A1-F6EECF244321}">
+                <p14:modId xmlns:p14="http://schemas.microsoft.com/office/powerpoint/2010/main" val="2592949586"/>
+              </p:ext>
+            </p:extLst>
+          </p:nvPr>
+        </p:nvGraphicFramePr>
+        <p:xfrm>
+          <a:off x="838200" y="1825625"/>
+          <a:ext cx="10515597" cy="3032760"/>
+        </p:xfrm>
+        <a:graphic>
+          <a:graphicData uri="http://schemas.openxmlformats.org/drawingml/2006/table">
+            <a:tbl>
+              <a:tblPr firstRow="1" bandRow="1">
+                <a:tableStyleId>{793D81CF-94F2-401A-BA57-92F5A7B2D0C5}</a:tableStyleId>
+              </a:tblPr>
+              <a:tblGrid>
+                <a:gridCol w="2084882">
+                  <a:extLst>
+                    <a:ext uri="{9D8B030D-6E8A-4147-A177-3AD203B41FA5}">
+                      <a16:colId xmlns:a16="http://schemas.microsoft.com/office/drawing/2014/main" val="3887248536"/>
+                    </a:ext>
+                  </a:extLst>
+                </a:gridCol>
+                <a:gridCol w="4925516">
+                  <a:extLst>
+                    <a:ext uri="{9D8B030D-6E8A-4147-A177-3AD203B41FA5}">
+                      <a16:colId xmlns:a16="http://schemas.microsoft.com/office/drawing/2014/main" val="3315521752"/>
+                    </a:ext>
+                  </a:extLst>
+                </a:gridCol>
+                <a:gridCol w="3505199">
+                  <a:extLst>
+                    <a:ext uri="{9D8B030D-6E8A-4147-A177-3AD203B41FA5}">
+                      <a16:colId xmlns:a16="http://schemas.microsoft.com/office/drawing/2014/main" val="3811642690"/>
+                    </a:ext>
+                  </a:extLst>
+                </a:gridCol>
+              </a:tblGrid>
+              <a:tr h="370840">
+                <a:tc>
+                  <a:txBody>
+                    <a:bodyPr/>
+                    <a:lstStyle/>
+                    <a:p>
+                      <a:r>
+                        <a:rPr lang="en-IN" dirty="0"/>
+                        <a:t>Tool</a:t>
+                      </a:r>
+                    </a:p>
+                  </a:txBody>
+                  <a:tcPr/>
+                </a:tc>
+                <a:tc>
+                  <a:txBody>
+                    <a:bodyPr/>
+                    <a:lstStyle/>
+                    <a:p>
+                      <a:r>
+                        <a:rPr lang="en-IN" dirty="0"/>
+                        <a:t>Features</a:t>
+                      </a:r>
+                    </a:p>
+                  </a:txBody>
+                  <a:tcPr/>
+                </a:tc>
+                <a:tc>
+                  <a:txBody>
+                    <a:bodyPr/>
+                    <a:lstStyle/>
+                    <a:p>
+                      <a:r>
+                        <a:rPr lang="en-IN" dirty="0"/>
+                        <a:t>Best For</a:t>
+                      </a:r>
+                    </a:p>
+                  </a:txBody>
+                  <a:tcPr/>
+                </a:tc>
+                <a:extLst>
+                  <a:ext uri="{0D108BD9-81ED-4DB2-BD59-A6C34878D82A}">
+                    <a16:rowId xmlns:a16="http://schemas.microsoft.com/office/drawing/2014/main" val="2269131016"/>
+                  </a:ext>
+                </a:extLst>
+              </a:tr>
+              <a:tr h="370840">
+                <a:tc>
+                  <a:txBody>
+                    <a:bodyPr/>
+                    <a:lstStyle/>
+                    <a:p>
+                      <a:r>
+                        <a:rPr lang="en-IN" b="1" dirty="0"/>
+                        <a:t>Great Expectations</a:t>
+                      </a:r>
+                    </a:p>
+                  </a:txBody>
+                  <a:tcPr/>
+                </a:tc>
+                <a:tc>
+                  <a:txBody>
+                    <a:bodyPr/>
+                    <a:lstStyle/>
+                    <a:p>
+                      <a:r>
+                        <a:rPr lang="en-US" dirty="0"/>
+                        <a:t>Define, test, and document expectations for data pipelines</a:t>
+                      </a:r>
+                      <a:endParaRPr lang="en-IN" dirty="0"/>
+                    </a:p>
+                  </a:txBody>
+                  <a:tcPr/>
+                </a:tc>
+                <a:tc>
+                  <a:txBody>
+                    <a:bodyPr/>
+                    <a:lstStyle/>
+                    <a:p>
+                      <a:r>
+                        <a:rPr lang="en-IN" dirty="0"/>
+                        <a:t>Python-based data workflows</a:t>
+                      </a:r>
+                    </a:p>
+                    <a:p>
+                      <a:endParaRPr lang="en-IN" dirty="0"/>
+                    </a:p>
+                  </a:txBody>
+                  <a:tcPr/>
+                </a:tc>
+                <a:extLst>
+                  <a:ext uri="{0D108BD9-81ED-4DB2-BD59-A6C34878D82A}">
+                    <a16:rowId xmlns:a16="http://schemas.microsoft.com/office/drawing/2014/main" val="289702545"/>
+                  </a:ext>
+                </a:extLst>
+              </a:tr>
+              <a:tr h="370840">
+                <a:tc>
+                  <a:txBody>
+                    <a:bodyPr/>
+                    <a:lstStyle/>
+                    <a:p>
+                      <a:r>
+                        <a:rPr lang="en-IN" b="1" dirty="0" err="1"/>
+                        <a:t>dbt</a:t>
+                      </a:r>
+                      <a:r>
+                        <a:rPr lang="en-IN" b="1" dirty="0"/>
+                        <a:t> (Data Build Tool)</a:t>
+                      </a:r>
+                    </a:p>
+                  </a:txBody>
+                  <a:tcPr/>
+                </a:tc>
+                <a:tc>
+                  <a:txBody>
+                    <a:bodyPr/>
+                    <a:lstStyle/>
+                    <a:p>
+                      <a:r>
+                        <a:rPr lang="en-US" dirty="0"/>
+                        <a:t>Integrates with SQL for testing and transformation logic</a:t>
+                      </a:r>
+                      <a:endParaRPr lang="en-IN" dirty="0"/>
+                    </a:p>
+                  </a:txBody>
+                  <a:tcPr/>
+                </a:tc>
+                <a:tc>
+                  <a:txBody>
+                    <a:bodyPr/>
+                    <a:lstStyle/>
+                    <a:p>
+                      <a:r>
+                        <a:rPr lang="en-IN" dirty="0"/>
+                        <a:t>Data warehouses and </a:t>
+                      </a:r>
+                      <a:r>
+                        <a:rPr lang="en-IN" dirty="0" err="1"/>
+                        <a:t>lakehouses</a:t>
+                      </a:r>
+                      <a:endParaRPr lang="en-IN" dirty="0"/>
+                    </a:p>
+                  </a:txBody>
+                  <a:tcPr/>
+                </a:tc>
+                <a:extLst>
+                  <a:ext uri="{0D108BD9-81ED-4DB2-BD59-A6C34878D82A}">
+                    <a16:rowId xmlns:a16="http://schemas.microsoft.com/office/drawing/2014/main" val="1130264269"/>
+                  </a:ext>
+                </a:extLst>
+              </a:tr>
+              <a:tr h="370840">
+                <a:tc>
+                  <a:txBody>
+                    <a:bodyPr/>
+                    <a:lstStyle/>
+                    <a:p>
+                      <a:r>
+                        <a:rPr lang="en-IN" b="1" dirty="0"/>
+                        <a:t>Pandas + </a:t>
+                      </a:r>
+                      <a:r>
+                        <a:rPr lang="en-IN" b="1" dirty="0" err="1"/>
+                        <a:t>pytest</a:t>
+                      </a:r>
+                      <a:endParaRPr lang="en-IN" b="1" dirty="0"/>
+                    </a:p>
+                  </a:txBody>
+                  <a:tcPr/>
+                </a:tc>
+                <a:tc>
+                  <a:txBody>
+                    <a:bodyPr/>
+                    <a:lstStyle/>
+                    <a:p>
+                      <a:r>
+                        <a:rPr lang="en-US" dirty="0"/>
+                        <a:t>Custom validation scripts using Python and unit tests</a:t>
+                      </a:r>
+                      <a:endParaRPr lang="en-IN" dirty="0"/>
+                    </a:p>
+                  </a:txBody>
+                  <a:tcPr/>
+                </a:tc>
+                <a:tc>
+                  <a:txBody>
+                    <a:bodyPr/>
+                    <a:lstStyle/>
+                    <a:p>
+                      <a:r>
+                        <a:rPr lang="en-IN" dirty="0"/>
+                        <a:t>Lightweight, flexible validation</a:t>
+                      </a:r>
+                    </a:p>
+                  </a:txBody>
+                  <a:tcPr/>
+                </a:tc>
+                <a:extLst>
+                  <a:ext uri="{0D108BD9-81ED-4DB2-BD59-A6C34878D82A}">
+                    <a16:rowId xmlns:a16="http://schemas.microsoft.com/office/drawing/2014/main" val="997283672"/>
+                  </a:ext>
+                </a:extLst>
+              </a:tr>
+              <a:tr h="370840">
+                <a:tc>
+                  <a:txBody>
+                    <a:bodyPr/>
+                    <a:lstStyle/>
+                    <a:p>
+                      <a:r>
+                        <a:rPr lang="en-IN" b="1" dirty="0"/>
+                        <a:t>Apache </a:t>
+                      </a:r>
+                      <a:r>
+                        <a:rPr lang="en-IN" b="1" dirty="0" err="1"/>
+                        <a:t>Deequ</a:t>
+                      </a:r>
+                      <a:endParaRPr lang="en-IN" b="1" dirty="0"/>
+                    </a:p>
+                  </a:txBody>
+                  <a:tcPr/>
+                </a:tc>
+                <a:tc>
+                  <a:txBody>
+                    <a:bodyPr/>
+                    <a:lstStyle/>
+                    <a:p>
+                      <a:r>
+                        <a:rPr lang="en-US" dirty="0"/>
+                        <a:t>Declarative validation for large-scale data in Spark</a:t>
+                      </a:r>
+                      <a:endParaRPr lang="en-IN" dirty="0"/>
+                    </a:p>
+                  </a:txBody>
+                  <a:tcPr/>
+                </a:tc>
+                <a:tc>
+                  <a:txBody>
+                    <a:bodyPr/>
+                    <a:lstStyle/>
+                    <a:p>
+                      <a:r>
+                        <a:rPr lang="en-IN" dirty="0"/>
+                        <a:t>Big data environments</a:t>
+                      </a:r>
+                    </a:p>
+                  </a:txBody>
+                  <a:tcPr/>
+                </a:tc>
+                <a:extLst>
+                  <a:ext uri="{0D108BD9-81ED-4DB2-BD59-A6C34878D82A}">
+                    <a16:rowId xmlns:a16="http://schemas.microsoft.com/office/drawing/2014/main" val="15899667"/>
+                  </a:ext>
+                </a:extLst>
+              </a:tr>
+              <a:tr h="370840">
+                <a:tc>
+                  <a:txBody>
+                    <a:bodyPr/>
+                    <a:lstStyle/>
+                    <a:p>
+                      <a:r>
+                        <a:rPr lang="en-IN" b="1" dirty="0"/>
+                        <a:t>Talend Data Quality</a:t>
+                      </a:r>
+                    </a:p>
+                  </a:txBody>
+                  <a:tcPr/>
+                </a:tc>
+                <a:tc>
+                  <a:txBody>
+                    <a:bodyPr/>
+                    <a:lstStyle/>
+                    <a:p>
+                      <a:r>
+                        <a:rPr lang="en-US" dirty="0"/>
+                        <a:t>GUI-based profiling, cleansing, and validation</a:t>
+                      </a:r>
+                      <a:endParaRPr lang="en-IN" dirty="0"/>
+                    </a:p>
+                  </a:txBody>
+                  <a:tcPr/>
+                </a:tc>
+                <a:tc>
+                  <a:txBody>
+                    <a:bodyPr/>
+                    <a:lstStyle/>
+                    <a:p>
+                      <a:r>
+                        <a:rPr lang="en-IN" dirty="0"/>
+                        <a:t>Enterprise ETL pipelines</a:t>
+                      </a:r>
+                    </a:p>
+                  </a:txBody>
+                  <a:tcPr/>
+                </a:tc>
+                <a:extLst>
+                  <a:ext uri="{0D108BD9-81ED-4DB2-BD59-A6C34878D82A}">
+                    <a16:rowId xmlns:a16="http://schemas.microsoft.com/office/drawing/2014/main" val="4013807966"/>
+                  </a:ext>
+                </a:extLst>
+              </a:tr>
+            </a:tbl>
+          </a:graphicData>
+        </a:graphic>
+      </p:graphicFrame>
     </p:spTree>
     <p:extLst>
       <p:ext uri="{BB962C8B-B14F-4D97-AF65-F5344CB8AC3E}">
-        <p14:creationId xmlns:p14="http://schemas.microsoft.com/office/powerpoint/2010/main" val="2329110552"/>
+        <p14:creationId xmlns:p14="http://schemas.microsoft.com/office/powerpoint/2010/main" val="1670158137"/>
       </p:ext>
     </p:extLst>
   </p:cSld>
@@ -5377,7 +5783,7 @@
         <p:cNvPr id="1" name="">
           <a:extLst>
             <a:ext uri="{FF2B5EF4-FFF2-40B4-BE49-F238E27FC236}">
-              <a16:creationId xmlns:a16="http://schemas.microsoft.com/office/drawing/2014/main" id="{9CF09576-E858-385A-6B65-E89E2DE87113}"/>
+              <a16:creationId xmlns:a16="http://schemas.microsoft.com/office/drawing/2014/main" id="{08F020C8-C696-8712-6B14-34CA50EE353A}"/>
             </a:ext>
           </a:extLst>
         </p:cNvPr>
@@ -5397,7 +5803,7 @@
           <p:cNvPr id="9" name="Picture 8">
             <a:extLst>
               <a:ext uri="{FF2B5EF4-FFF2-40B4-BE49-F238E27FC236}">
-                <a16:creationId xmlns:a16="http://schemas.microsoft.com/office/drawing/2014/main" id="{33BF3416-F596-A4E5-4C37-0D412E238B82}"/>
+                <a16:creationId xmlns:a16="http://schemas.microsoft.com/office/drawing/2014/main" id="{7CC4CBFF-7920-70C0-A06E-0C70678C0D18}"/>
               </a:ext>
             </a:extLst>
           </p:cNvPr>
@@ -5420,7 +5826,7 @@
         </p:blipFill>
         <p:spPr>
           <a:xfrm>
-            <a:off x="0" y="0"/>
+            <a:off x="0" y="4707"/>
             <a:ext cx="12192000" cy="6853293"/>
           </a:xfrm>
           <a:prstGeom prst="rect">
@@ -5433,7 +5839,7 @@
           <p:cNvPr id="12" name="Title 11">
             <a:extLst>
               <a:ext uri="{FF2B5EF4-FFF2-40B4-BE49-F238E27FC236}">
-                <a16:creationId xmlns:a16="http://schemas.microsoft.com/office/drawing/2014/main" id="{C81E761A-B771-599A-6E0D-BF4406F06A5E}"/>
+                <a16:creationId xmlns:a16="http://schemas.microsoft.com/office/drawing/2014/main" id="{25BED996-97FE-4465-A247-9E0741B69D7B}"/>
               </a:ext>
             </a:extLst>
           </p:cNvPr>
@@ -5446,59 +5852,22 @@
         </p:nvSpPr>
         <p:spPr>
           <a:xfrm>
-            <a:off x="838200" y="1363581"/>
-            <a:ext cx="10515600" cy="3076074"/>
+            <a:off x="838200" y="1058779"/>
+            <a:ext cx="10515600" cy="1411703"/>
           </a:xfrm>
         </p:spPr>
         <p:txBody>
-          <a:bodyPr>
-            <a:normAutofit fontScale="90000"/>
-          </a:bodyPr>
+          <a:bodyPr/>
           <a:lstStyle/>
           <a:p>
             <a:r>
               <a:rPr lang="en-US" b="1" dirty="0">
                 <a:solidFill>
-                  <a:srgbClr val="C00000"/>
+                  <a:srgbClr val="FF0000"/>
                 </a:solidFill>
               </a:rPr>
-              <a:t>Unsupervised Learning</a:t>
-            </a:r>
-            <a:br>
-              <a:rPr lang="en-IN" dirty="0">
-                <a:solidFill>
-                  <a:srgbClr val="002060"/>
-                </a:solidFill>
-              </a:rPr>
-            </a:br>
-            <a:br>
-              <a:rPr lang="en-IN" dirty="0">
-                <a:solidFill>
-                  <a:srgbClr val="002060"/>
-                </a:solidFill>
-              </a:rPr>
-            </a:br>
-            <a:br>
-              <a:rPr lang="en-US" dirty="0">
-                <a:solidFill>
-                  <a:srgbClr val="002060"/>
-                </a:solidFill>
-              </a:rPr>
-            </a:br>
-            <a:br>
-              <a:rPr lang="en-US" dirty="0">
-                <a:solidFill>
-                  <a:srgbClr val="002060"/>
-                </a:solidFill>
-              </a:rPr>
-            </a:br>
-            <a:br>
-              <a:rPr lang="en-US" dirty="0">
-                <a:solidFill>
-                  <a:srgbClr val="002060"/>
-                </a:solidFill>
-              </a:rPr>
-            </a:br>
+              <a:t>Thank You</a:t>
+            </a:r>
             <a:endParaRPr lang="en-IN" b="1" dirty="0">
               <a:solidFill>
                 <a:srgbClr val="FF0000"/>
@@ -5507,40 +5876,10 @@
           </a:p>
         </p:txBody>
       </p:sp>
-      <p:sp>
-        <p:nvSpPr>
-          <p:cNvPr id="4" name="Content Placeholder 3">
-            <a:extLst>
-              <a:ext uri="{FF2B5EF4-FFF2-40B4-BE49-F238E27FC236}">
-                <a16:creationId xmlns:a16="http://schemas.microsoft.com/office/drawing/2014/main" id="{ED8A8A9C-83F7-2FA5-E8C6-CEA7A3C471CB}"/>
-              </a:ext>
-            </a:extLst>
-          </p:cNvPr>
-          <p:cNvSpPr>
-            <a:spLocks noGrp="1"/>
-          </p:cNvSpPr>
-          <p:nvPr>
-            <p:ph idx="1"/>
-          </p:nvPr>
-        </p:nvSpPr>
-        <p:spPr>
-          <a:xfrm>
-            <a:off x="838200" y="2261937"/>
-            <a:ext cx="10515600" cy="3915026"/>
-          </a:xfrm>
-        </p:spPr>
-        <p:txBody>
-          <a:bodyPr/>
-          <a:lstStyle/>
-          <a:p>
-            <a:endParaRPr lang="en-IN" dirty="0"/>
-          </a:p>
-        </p:txBody>
-      </p:sp>
     </p:spTree>
     <p:extLst>
       <p:ext uri="{BB962C8B-B14F-4D97-AF65-F5344CB8AC3E}">
-        <p14:creationId xmlns:p14="http://schemas.microsoft.com/office/powerpoint/2010/main" val="3334215418"/>
+        <p14:creationId xmlns:p14="http://schemas.microsoft.com/office/powerpoint/2010/main" val="1263864946"/>
       </p:ext>
     </p:extLst>
   </p:cSld>
